--- a/opdracht03/G40/Voorstelling G40.pptx
+++ b/opdracht03/G40/Voorstelling G40.pptx
@@ -5,7 +5,7 @@
     <p:sldMasterId id="2147483762" r:id="rId1"/>
   </p:sldMasterIdLst>
   <p:notesMasterIdLst>
-    <p:notesMasterId r:id="rId35"/>
+    <p:notesMasterId r:id="rId36"/>
   </p:notesMasterIdLst>
   <p:sldIdLst>
     <p:sldId id="258" r:id="rId2"/>
@@ -21,26 +21,27 @@
     <p:sldId id="290" r:id="rId12"/>
     <p:sldId id="291" r:id="rId13"/>
     <p:sldId id="292" r:id="rId14"/>
-    <p:sldId id="265" r:id="rId15"/>
-    <p:sldId id="266" r:id="rId16"/>
-    <p:sldId id="260" r:id="rId17"/>
-    <p:sldId id="267" r:id="rId18"/>
-    <p:sldId id="269" r:id="rId19"/>
-    <p:sldId id="270" r:id="rId20"/>
-    <p:sldId id="281" r:id="rId21"/>
-    <p:sldId id="272" r:id="rId22"/>
-    <p:sldId id="273" r:id="rId23"/>
-    <p:sldId id="294" r:id="rId24"/>
-    <p:sldId id="274" r:id="rId25"/>
-    <p:sldId id="261" r:id="rId26"/>
-    <p:sldId id="275" r:id="rId27"/>
-    <p:sldId id="276" r:id="rId28"/>
-    <p:sldId id="277" r:id="rId29"/>
-    <p:sldId id="279" r:id="rId30"/>
-    <p:sldId id="280" r:id="rId31"/>
-    <p:sldId id="282" r:id="rId32"/>
-    <p:sldId id="293" r:id="rId33"/>
-    <p:sldId id="283" r:id="rId34"/>
+    <p:sldId id="295" r:id="rId15"/>
+    <p:sldId id="265" r:id="rId16"/>
+    <p:sldId id="266" r:id="rId17"/>
+    <p:sldId id="260" r:id="rId18"/>
+    <p:sldId id="267" r:id="rId19"/>
+    <p:sldId id="269" r:id="rId20"/>
+    <p:sldId id="270" r:id="rId21"/>
+    <p:sldId id="281" r:id="rId22"/>
+    <p:sldId id="272" r:id="rId23"/>
+    <p:sldId id="273" r:id="rId24"/>
+    <p:sldId id="294" r:id="rId25"/>
+    <p:sldId id="274" r:id="rId26"/>
+    <p:sldId id="261" r:id="rId27"/>
+    <p:sldId id="275" r:id="rId28"/>
+    <p:sldId id="276" r:id="rId29"/>
+    <p:sldId id="277" r:id="rId30"/>
+    <p:sldId id="279" r:id="rId31"/>
+    <p:sldId id="280" r:id="rId32"/>
+    <p:sldId id="282" r:id="rId33"/>
+    <p:sldId id="293" r:id="rId34"/>
+    <p:sldId id="283" r:id="rId35"/>
   </p:sldIdLst>
   <p:sldSz cx="12192000" cy="6858000"/>
   <p:notesSz cx="6858000" cy="9144000"/>
@@ -229,7 +230,7 @@
           <a:p>
             <a:fld id="{8795BD13-A9C0-4833-9A37-05C32DB0F83C}" type="datetimeFigureOut">
               <a:rPr lang="en-GB" smtClean="0"/>
-              <a:t>28/04/2019</a:t>
+              <a:t>05/05/2019</a:t>
             </a:fld>
             <a:endParaRPr lang="en-GB"/>
           </a:p>
@@ -723,7 +724,7 @@
           <a:p>
             <a:fld id="{76FCA46D-55D7-4D00-B507-F3F903E4163B}" type="datetimeFigureOut">
               <a:rPr lang="en-GB" smtClean="0"/>
-              <a:t>28/04/2019</a:t>
+              <a:t>05/05/2019</a:t>
             </a:fld>
             <a:endParaRPr lang="en-GB"/>
           </a:p>
@@ -934,7 +935,7 @@
           <a:p>
             <a:fld id="{76FCA46D-55D7-4D00-B507-F3F903E4163B}" type="datetimeFigureOut">
               <a:rPr lang="en-GB" smtClean="0"/>
-              <a:t>28/04/2019</a:t>
+              <a:t>05/05/2019</a:t>
             </a:fld>
             <a:endParaRPr lang="en-GB"/>
           </a:p>
@@ -1193,7 +1194,7 @@
           <a:p>
             <a:fld id="{76FCA46D-55D7-4D00-B507-F3F903E4163B}" type="datetimeFigureOut">
               <a:rPr lang="en-GB" smtClean="0"/>
-              <a:t>28/04/2019</a:t>
+              <a:t>05/05/2019</a:t>
             </a:fld>
             <a:endParaRPr lang="en-GB"/>
           </a:p>
@@ -1366,7 +1367,7 @@
           <a:p>
             <a:fld id="{76FCA46D-55D7-4D00-B507-F3F903E4163B}" type="datetimeFigureOut">
               <a:rPr lang="en-GB" smtClean="0"/>
-              <a:t>28/04/2019</a:t>
+              <a:t>05/05/2019</a:t>
             </a:fld>
             <a:endParaRPr lang="en-GB"/>
           </a:p>
@@ -1712,7 +1713,7 @@
           <a:p>
             <a:fld id="{76FCA46D-55D7-4D00-B507-F3F903E4163B}" type="datetimeFigureOut">
               <a:rPr lang="en-GB" smtClean="0"/>
-              <a:t>28/04/2019</a:t>
+              <a:t>05/05/2019</a:t>
             </a:fld>
             <a:endParaRPr lang="en-GB"/>
           </a:p>
@@ -1990,7 +1991,7 @@
           <a:p>
             <a:fld id="{76FCA46D-55D7-4D00-B507-F3F903E4163B}" type="datetimeFigureOut">
               <a:rPr lang="en-GB" smtClean="0"/>
-              <a:t>28/04/2019</a:t>
+              <a:t>05/05/2019</a:t>
             </a:fld>
             <a:endParaRPr lang="en-GB"/>
           </a:p>
@@ -2372,7 +2373,7 @@
           <a:p>
             <a:fld id="{76FCA46D-55D7-4D00-B507-F3F903E4163B}" type="datetimeFigureOut">
               <a:rPr lang="en-GB" smtClean="0"/>
-              <a:t>28/04/2019</a:t>
+              <a:t>05/05/2019</a:t>
             </a:fld>
             <a:endParaRPr lang="en-GB"/>
           </a:p>
@@ -2493,7 +2494,7 @@
           <a:p>
             <a:fld id="{76FCA46D-55D7-4D00-B507-F3F903E4163B}" type="datetimeFigureOut">
               <a:rPr lang="en-GB" smtClean="0"/>
-              <a:t>28/04/2019</a:t>
+              <a:t>05/05/2019</a:t>
             </a:fld>
             <a:endParaRPr lang="en-GB"/>
           </a:p>
@@ -2667,7 +2668,7 @@
           <a:p>
             <a:fld id="{76FCA46D-55D7-4D00-B507-F3F903E4163B}" type="datetimeFigureOut">
               <a:rPr lang="en-GB" smtClean="0"/>
-              <a:t>28/04/2019</a:t>
+              <a:t>05/05/2019</a:t>
             </a:fld>
             <a:endParaRPr lang="en-GB"/>
           </a:p>
@@ -3024,7 +3025,7 @@
           <a:p>
             <a:fld id="{76FCA46D-55D7-4D00-B507-F3F903E4163B}" type="datetimeFigureOut">
               <a:rPr lang="en-GB" smtClean="0"/>
-              <a:t>28/04/2019</a:t>
+              <a:t>05/05/2019</a:t>
             </a:fld>
             <a:endParaRPr lang="en-GB"/>
           </a:p>
@@ -3404,7 +3405,7 @@
           <a:p>
             <a:fld id="{76FCA46D-55D7-4D00-B507-F3F903E4163B}" type="datetimeFigureOut">
               <a:rPr lang="en-GB" smtClean="0"/>
-              <a:t>28/04/2019</a:t>
+              <a:t>05/05/2019</a:t>
             </a:fld>
             <a:endParaRPr lang="en-GB"/>
           </a:p>
@@ -3694,7 +3695,7 @@
           <a:p>
             <a:fld id="{76FCA46D-55D7-4D00-B507-F3F903E4163B}" type="datetimeFigureOut">
               <a:rPr lang="en-GB" smtClean="0"/>
-              <a:t>28/04/2019</a:t>
+              <a:t>05/05/2019</a:t>
             </a:fld>
             <a:endParaRPr lang="en-GB"/>
           </a:p>
@@ -5765,6 +5766,512 @@
           <p:cNvPr id="2" name="Titel 1">
             <a:extLst>
               <a:ext uri="{FF2B5EF4-FFF2-40B4-BE49-F238E27FC236}">
+                <a16:creationId xmlns:a16="http://schemas.microsoft.com/office/drawing/2014/main" id="{D8072935-77FD-4B59-9730-69DFA4AC0C57}"/>
+              </a:ext>
+            </a:extLst>
+          </p:cNvPr>
+          <p:cNvSpPr>
+            <a:spLocks noGrp="1"/>
+          </p:cNvSpPr>
+          <p:nvPr>
+            <p:ph type="title"/>
+          </p:nvPr>
+        </p:nvSpPr>
+        <p:spPr/>
+        <p:txBody>
+          <a:bodyPr/>
+          <a:lstStyle/>
+          <a:p>
+            <a:r>
+              <a:rPr lang="en-GB" dirty="0" err="1">
+                <a:latin typeface="Segoe UI" panose="020B0502040204020203" pitchFamily="34" charset="0"/>
+                <a:cs typeface="Segoe UI" panose="020B0502040204020203" pitchFamily="34" charset="0"/>
+              </a:rPr>
+              <a:t>Vergelijking</a:t>
+            </a:r>
+            <a:endParaRPr lang="en-GB" dirty="0">
+              <a:latin typeface="Segoe UI" panose="020B0502040204020203" pitchFamily="34" charset="0"/>
+              <a:cs typeface="Segoe UI" panose="020B0502040204020203" pitchFamily="34" charset="0"/>
+            </a:endParaRPr>
+          </a:p>
+        </p:txBody>
+      </p:sp>
+      <p:sp>
+        <p:nvSpPr>
+          <p:cNvPr id="4" name="Tijdelijke aanduiding voor tekst 3">
+            <a:extLst>
+              <a:ext uri="{FF2B5EF4-FFF2-40B4-BE49-F238E27FC236}">
+                <a16:creationId xmlns:a16="http://schemas.microsoft.com/office/drawing/2014/main" id="{6DAFED22-3513-4370-A70C-8D6FE2EBFA94}"/>
+              </a:ext>
+            </a:extLst>
+          </p:cNvPr>
+          <p:cNvSpPr>
+            <a:spLocks noGrp="1"/>
+          </p:cNvSpPr>
+          <p:nvPr>
+            <p:ph type="body" idx="1"/>
+          </p:nvPr>
+        </p:nvSpPr>
+        <p:spPr/>
+        <p:txBody>
+          <a:bodyPr/>
+          <a:lstStyle/>
+          <a:p>
+            <a:r>
+              <a:rPr lang="en-GB" dirty="0" err="1">
+                <a:latin typeface="Segoe UI" panose="020B0502040204020203" pitchFamily="34" charset="0"/>
+                <a:cs typeface="Segoe UI" panose="020B0502040204020203" pitchFamily="34" charset="0"/>
+              </a:rPr>
+              <a:t>Aanbevolen</a:t>
+            </a:r>
+            <a:endParaRPr lang="en-GB" dirty="0">
+              <a:latin typeface="Segoe UI" panose="020B0502040204020203" pitchFamily="34" charset="0"/>
+              <a:cs typeface="Segoe UI" panose="020B0502040204020203" pitchFamily="34" charset="0"/>
+            </a:endParaRPr>
+          </a:p>
+        </p:txBody>
+      </p:sp>
+      <p:sp>
+        <p:nvSpPr>
+          <p:cNvPr id="5" name="Tijdelijke aanduiding voor inhoud 4">
+            <a:extLst>
+              <a:ext uri="{FF2B5EF4-FFF2-40B4-BE49-F238E27FC236}">
+                <a16:creationId xmlns:a16="http://schemas.microsoft.com/office/drawing/2014/main" id="{FDB3AD0C-4196-4516-B0AC-66BC45B34E28}"/>
+              </a:ext>
+            </a:extLst>
+          </p:cNvPr>
+          <p:cNvSpPr>
+            <a:spLocks noGrp="1"/>
+          </p:cNvSpPr>
+          <p:nvPr>
+            <p:ph sz="half" idx="2"/>
+          </p:nvPr>
+        </p:nvSpPr>
+        <p:spPr/>
+        <p:txBody>
+          <a:bodyPr/>
+          <a:lstStyle/>
+          <a:p>
+            <a:pPr>
+              <a:buFont typeface="Arial" panose="020B0604020202020204" pitchFamily="34" charset="0"/>
+              <a:buChar char="•"/>
+            </a:pPr>
+            <a:r>
+              <a:rPr lang="en-GB" dirty="0">
+                <a:latin typeface="Segoe UI" panose="020B0502040204020203" pitchFamily="34" charset="0"/>
+                <a:cs typeface="Segoe UI" panose="020B0502040204020203" pitchFamily="34" charset="0"/>
+              </a:rPr>
+              <a:t> Router </a:t>
+            </a:r>
+            <a:r>
+              <a:rPr lang="en-GB" dirty="0" err="1">
+                <a:latin typeface="Segoe UI" panose="020B0502040204020203" pitchFamily="34" charset="0"/>
+                <a:cs typeface="Segoe UI" panose="020B0502040204020203" pitchFamily="34" charset="0"/>
+              </a:rPr>
+              <a:t>volledig</a:t>
+            </a:r>
+            <a:r>
+              <a:rPr lang="en-GB" dirty="0">
+                <a:latin typeface="Segoe UI" panose="020B0502040204020203" pitchFamily="34" charset="0"/>
+                <a:cs typeface="Segoe UI" panose="020B0502040204020203" pitchFamily="34" charset="0"/>
+              </a:rPr>
+              <a:t> </a:t>
+            </a:r>
+            <a:r>
+              <a:rPr lang="en-GB" dirty="0" err="1">
+                <a:latin typeface="Segoe UI" panose="020B0502040204020203" pitchFamily="34" charset="0"/>
+                <a:cs typeface="Segoe UI" panose="020B0502040204020203" pitchFamily="34" charset="0"/>
+              </a:rPr>
+              <a:t>configureerbaar</a:t>
+            </a:r>
+            <a:endParaRPr lang="en-GB" dirty="0">
+              <a:latin typeface="Segoe UI" panose="020B0502040204020203" pitchFamily="34" charset="0"/>
+              <a:cs typeface="Segoe UI" panose="020B0502040204020203" pitchFamily="34" charset="0"/>
+            </a:endParaRPr>
+          </a:p>
+          <a:p>
+            <a:pPr>
+              <a:buFont typeface="Arial" panose="020B0604020202020204" pitchFamily="34" charset="0"/>
+              <a:buChar char="•"/>
+            </a:pPr>
+            <a:r>
+              <a:rPr lang="en-GB" dirty="0">
+                <a:latin typeface="Segoe UI" panose="020B0502040204020203" pitchFamily="34" charset="0"/>
+                <a:cs typeface="Segoe UI" panose="020B0502040204020203" pitchFamily="34" charset="0"/>
+              </a:rPr>
+              <a:t> Access Point </a:t>
+            </a:r>
+            <a:r>
+              <a:rPr lang="en-GB" dirty="0" err="1">
+                <a:latin typeface="Segoe UI" panose="020B0502040204020203" pitchFamily="34" charset="0"/>
+                <a:cs typeface="Segoe UI" panose="020B0502040204020203" pitchFamily="34" charset="0"/>
+              </a:rPr>
+              <a:t>volledig</a:t>
+            </a:r>
+            <a:r>
+              <a:rPr lang="en-GB" dirty="0">
+                <a:latin typeface="Segoe UI" panose="020B0502040204020203" pitchFamily="34" charset="0"/>
+                <a:cs typeface="Segoe UI" panose="020B0502040204020203" pitchFamily="34" charset="0"/>
+              </a:rPr>
+              <a:t> </a:t>
+            </a:r>
+            <a:r>
+              <a:rPr lang="en-GB" dirty="0" err="1">
+                <a:latin typeface="Segoe UI" panose="020B0502040204020203" pitchFamily="34" charset="0"/>
+                <a:cs typeface="Segoe UI" panose="020B0502040204020203" pitchFamily="34" charset="0"/>
+              </a:rPr>
+              <a:t>configureerbaar</a:t>
+            </a:r>
+            <a:endParaRPr lang="en-GB" dirty="0">
+              <a:latin typeface="Segoe UI" panose="020B0502040204020203" pitchFamily="34" charset="0"/>
+              <a:cs typeface="Segoe UI" panose="020B0502040204020203" pitchFamily="34" charset="0"/>
+            </a:endParaRPr>
+          </a:p>
+          <a:p>
+            <a:pPr>
+              <a:buFont typeface="Arial" panose="020B0604020202020204" pitchFamily="34" charset="0"/>
+              <a:buChar char="•"/>
+            </a:pPr>
+            <a:r>
+              <a:rPr lang="en-GB" dirty="0">
+                <a:latin typeface="Segoe UI" panose="020B0502040204020203" pitchFamily="34" charset="0"/>
+                <a:cs typeface="Segoe UI" panose="020B0502040204020203" pitchFamily="34" charset="0"/>
+              </a:rPr>
+              <a:t> </a:t>
+            </a:r>
+            <a:r>
+              <a:rPr lang="en-GB" dirty="0" err="1">
+                <a:latin typeface="Segoe UI" panose="020B0502040204020203" pitchFamily="34" charset="0"/>
+                <a:cs typeface="Segoe UI" panose="020B0502040204020203" pitchFamily="34" charset="0"/>
+              </a:rPr>
+              <a:t>Uitgebreidere</a:t>
+            </a:r>
+            <a:r>
+              <a:rPr lang="en-GB" dirty="0">
+                <a:latin typeface="Segoe UI" panose="020B0502040204020203" pitchFamily="34" charset="0"/>
+                <a:cs typeface="Segoe UI" panose="020B0502040204020203" pitchFamily="34" charset="0"/>
+              </a:rPr>
+              <a:t> </a:t>
+            </a:r>
+            <a:r>
+              <a:rPr lang="en-GB" dirty="0" err="1">
+                <a:latin typeface="Segoe UI" panose="020B0502040204020203" pitchFamily="34" charset="0"/>
+                <a:cs typeface="Segoe UI" panose="020B0502040204020203" pitchFamily="34" charset="0"/>
+              </a:rPr>
+              <a:t>beveiliging</a:t>
+            </a:r>
+            <a:endParaRPr lang="en-GB" dirty="0">
+              <a:latin typeface="Segoe UI" panose="020B0502040204020203" pitchFamily="34" charset="0"/>
+              <a:cs typeface="Segoe UI" panose="020B0502040204020203" pitchFamily="34" charset="0"/>
+            </a:endParaRPr>
+          </a:p>
+          <a:p>
+            <a:pPr>
+              <a:buFont typeface="Arial" panose="020B0604020202020204" pitchFamily="34" charset="0"/>
+              <a:buChar char="•"/>
+            </a:pPr>
+            <a:r>
+              <a:rPr lang="en-GB" dirty="0">
+                <a:latin typeface="Segoe UI" panose="020B0502040204020203" pitchFamily="34" charset="0"/>
+                <a:cs typeface="Segoe UI" panose="020B0502040204020203" pitchFamily="34" charset="0"/>
+              </a:rPr>
+              <a:t> </a:t>
+            </a:r>
+            <a:r>
+              <a:rPr lang="nl-BE" dirty="0">
+                <a:latin typeface="Segoe UI" panose="020B0502040204020203" pitchFamily="34" charset="0"/>
+                <a:cs typeface="Segoe UI" panose="020B0502040204020203" pitchFamily="34" charset="0"/>
+              </a:rPr>
+              <a:t>Kortsluitingsbestendig</a:t>
+            </a:r>
+            <a:endParaRPr lang="en-GB" dirty="0">
+              <a:latin typeface="Segoe UI" panose="020B0502040204020203" pitchFamily="34" charset="0"/>
+              <a:cs typeface="Segoe UI" panose="020B0502040204020203" pitchFamily="34" charset="0"/>
+            </a:endParaRPr>
+          </a:p>
+          <a:p>
+            <a:pPr>
+              <a:buFont typeface="Arial" panose="020B0604020202020204" pitchFamily="34" charset="0"/>
+              <a:buChar char="•"/>
+            </a:pPr>
+            <a:endParaRPr lang="en-GB" dirty="0">
+              <a:latin typeface="Segoe UI" panose="020B0502040204020203" pitchFamily="34" charset="0"/>
+              <a:cs typeface="Segoe UI" panose="020B0502040204020203" pitchFamily="34" charset="0"/>
+            </a:endParaRPr>
+          </a:p>
+          <a:p>
+            <a:pPr>
+              <a:buFont typeface="Arial" panose="020B0604020202020204" pitchFamily="34" charset="0"/>
+              <a:buChar char="•"/>
+            </a:pPr>
+            <a:r>
+              <a:rPr lang="en-GB" dirty="0">
+                <a:latin typeface="Segoe UI" panose="020B0502040204020203" pitchFamily="34" charset="0"/>
+                <a:cs typeface="Segoe UI" panose="020B0502040204020203" pitchFamily="34" charset="0"/>
+              </a:rPr>
+              <a:t> </a:t>
+            </a:r>
+            <a:r>
+              <a:rPr lang="en-GB" dirty="0" err="1">
+                <a:latin typeface="Segoe UI" panose="020B0502040204020203" pitchFamily="34" charset="0"/>
+                <a:cs typeface="Segoe UI" panose="020B0502040204020203" pitchFamily="34" charset="0"/>
+              </a:rPr>
+              <a:t>Prijs</a:t>
+            </a:r>
+            <a:r>
+              <a:rPr lang="en-GB" dirty="0">
+                <a:latin typeface="Segoe UI" panose="020B0502040204020203" pitchFamily="34" charset="0"/>
+                <a:cs typeface="Segoe UI" panose="020B0502040204020203" pitchFamily="34" charset="0"/>
+              </a:rPr>
+              <a:t>:  € 305.20</a:t>
+            </a:r>
+          </a:p>
+        </p:txBody>
+      </p:sp>
+      <p:sp>
+        <p:nvSpPr>
+          <p:cNvPr id="6" name="Tijdelijke aanduiding voor tekst 5">
+            <a:extLst>
+              <a:ext uri="{FF2B5EF4-FFF2-40B4-BE49-F238E27FC236}">
+                <a16:creationId xmlns:a16="http://schemas.microsoft.com/office/drawing/2014/main" id="{951FE8C3-4234-42BB-A14F-254C82728272}"/>
+              </a:ext>
+            </a:extLst>
+          </p:cNvPr>
+          <p:cNvSpPr>
+            <a:spLocks noGrp="1"/>
+          </p:cNvSpPr>
+          <p:nvPr>
+            <p:ph type="body" sz="quarter" idx="3"/>
+          </p:nvPr>
+        </p:nvSpPr>
+        <p:spPr/>
+        <p:txBody>
+          <a:bodyPr/>
+          <a:lstStyle/>
+          <a:p>
+            <a:r>
+              <a:rPr lang="en-GB" dirty="0">
+                <a:latin typeface="Segoe UI" panose="020B0502040204020203" pitchFamily="34" charset="0"/>
+                <a:cs typeface="Segoe UI" panose="020B0502040204020203" pitchFamily="34" charset="0"/>
+              </a:rPr>
+              <a:t>Budget</a:t>
+            </a:r>
+          </a:p>
+        </p:txBody>
+      </p:sp>
+      <p:sp>
+        <p:nvSpPr>
+          <p:cNvPr id="7" name="Tijdelijke aanduiding voor inhoud 6">
+            <a:extLst>
+              <a:ext uri="{FF2B5EF4-FFF2-40B4-BE49-F238E27FC236}">
+                <a16:creationId xmlns:a16="http://schemas.microsoft.com/office/drawing/2014/main" id="{92001AF8-5F1C-408F-BE8F-1471C2BF467F}"/>
+              </a:ext>
+            </a:extLst>
+          </p:cNvPr>
+          <p:cNvSpPr>
+            <a:spLocks noGrp="1"/>
+          </p:cNvSpPr>
+          <p:nvPr>
+            <p:ph sz="quarter" idx="4"/>
+          </p:nvPr>
+        </p:nvSpPr>
+        <p:spPr/>
+        <p:txBody>
+          <a:bodyPr/>
+          <a:lstStyle/>
+          <a:p>
+            <a:pPr>
+              <a:buFont typeface="Arial" panose="020B0604020202020204" pitchFamily="34" charset="0"/>
+              <a:buChar char="•"/>
+            </a:pPr>
+            <a:r>
+              <a:rPr lang="en-GB" dirty="0">
+                <a:latin typeface="Segoe UI" panose="020B0502040204020203" pitchFamily="34" charset="0"/>
+                <a:cs typeface="Segoe UI" panose="020B0502040204020203" pitchFamily="34" charset="0"/>
+              </a:rPr>
+              <a:t> </a:t>
+            </a:r>
+            <a:r>
+              <a:rPr lang="en-GB" dirty="0" err="1">
+                <a:latin typeface="Segoe UI" panose="020B0502040204020203" pitchFamily="34" charset="0"/>
+                <a:cs typeface="Segoe UI" panose="020B0502040204020203" pitchFamily="34" charset="0"/>
+              </a:rPr>
+              <a:t>Beperkte</a:t>
+            </a:r>
+            <a:r>
+              <a:rPr lang="en-GB" dirty="0">
+                <a:latin typeface="Segoe UI" panose="020B0502040204020203" pitchFamily="34" charset="0"/>
+                <a:cs typeface="Segoe UI" panose="020B0502040204020203" pitchFamily="34" charset="0"/>
+              </a:rPr>
+              <a:t> </a:t>
+            </a:r>
+            <a:r>
+              <a:rPr lang="en-GB" dirty="0" err="1">
+                <a:latin typeface="Segoe UI" panose="020B0502040204020203" pitchFamily="34" charset="0"/>
+                <a:cs typeface="Segoe UI" panose="020B0502040204020203" pitchFamily="34" charset="0"/>
+              </a:rPr>
+              <a:t>configuratie</a:t>
+            </a:r>
+            <a:r>
+              <a:rPr lang="en-GB" dirty="0">
+                <a:latin typeface="Segoe UI" panose="020B0502040204020203" pitchFamily="34" charset="0"/>
+                <a:cs typeface="Segoe UI" panose="020B0502040204020203" pitchFamily="34" charset="0"/>
+              </a:rPr>
+              <a:t> op router</a:t>
+            </a:r>
+          </a:p>
+          <a:p>
+            <a:pPr>
+              <a:buFont typeface="Arial" panose="020B0604020202020204" pitchFamily="34" charset="0"/>
+              <a:buChar char="•"/>
+            </a:pPr>
+            <a:r>
+              <a:rPr lang="en-GB" dirty="0">
+                <a:latin typeface="Segoe UI" panose="020B0502040204020203" pitchFamily="34" charset="0"/>
+                <a:cs typeface="Segoe UI" panose="020B0502040204020203" pitchFamily="34" charset="0"/>
+              </a:rPr>
+              <a:t> Minder </a:t>
+            </a:r>
+            <a:r>
+              <a:rPr lang="en-GB" dirty="0" err="1">
+                <a:latin typeface="Segoe UI" panose="020B0502040204020203" pitchFamily="34" charset="0"/>
+                <a:cs typeface="Segoe UI" panose="020B0502040204020203" pitchFamily="34" charset="0"/>
+              </a:rPr>
+              <a:t>switchpoorten</a:t>
+            </a:r>
+            <a:endParaRPr lang="en-GB" dirty="0">
+              <a:latin typeface="Segoe UI" panose="020B0502040204020203" pitchFamily="34" charset="0"/>
+              <a:cs typeface="Segoe UI" panose="020B0502040204020203" pitchFamily="34" charset="0"/>
+            </a:endParaRPr>
+          </a:p>
+          <a:p>
+            <a:pPr>
+              <a:buFont typeface="Arial" panose="020B0604020202020204" pitchFamily="34" charset="0"/>
+              <a:buChar char="•"/>
+            </a:pPr>
+            <a:r>
+              <a:rPr lang="en-GB" dirty="0">
+                <a:latin typeface="Segoe UI" panose="020B0502040204020203" pitchFamily="34" charset="0"/>
+                <a:cs typeface="Segoe UI" panose="020B0502040204020203" pitchFamily="34" charset="0"/>
+              </a:rPr>
+              <a:t> Access Point </a:t>
+            </a:r>
+            <a:r>
+              <a:rPr lang="en-GB" dirty="0" err="1">
+                <a:latin typeface="Segoe UI" panose="020B0502040204020203" pitchFamily="34" charset="0"/>
+                <a:cs typeface="Segoe UI" panose="020B0502040204020203" pitchFamily="34" charset="0"/>
+              </a:rPr>
+              <a:t>beperkt</a:t>
+            </a:r>
+            <a:r>
+              <a:rPr lang="en-GB" dirty="0">
+                <a:latin typeface="Segoe UI" panose="020B0502040204020203" pitchFamily="34" charset="0"/>
+                <a:cs typeface="Segoe UI" panose="020B0502040204020203" pitchFamily="34" charset="0"/>
+              </a:rPr>
+              <a:t> in </a:t>
+            </a:r>
+            <a:r>
+              <a:rPr lang="en-GB" dirty="0" err="1">
+                <a:latin typeface="Segoe UI" panose="020B0502040204020203" pitchFamily="34" charset="0"/>
+                <a:cs typeface="Segoe UI" panose="020B0502040204020203" pitchFamily="34" charset="0"/>
+              </a:rPr>
+              <a:t>configuratie</a:t>
+            </a:r>
+            <a:endParaRPr lang="en-GB" dirty="0">
+              <a:latin typeface="Segoe UI" panose="020B0502040204020203" pitchFamily="34" charset="0"/>
+              <a:cs typeface="Segoe UI" panose="020B0502040204020203" pitchFamily="34" charset="0"/>
+            </a:endParaRPr>
+          </a:p>
+          <a:p>
+            <a:pPr>
+              <a:buFont typeface="Arial" panose="020B0604020202020204" pitchFamily="34" charset="0"/>
+              <a:buChar char="•"/>
+            </a:pPr>
+            <a:r>
+              <a:rPr lang="en-GB" dirty="0">
+                <a:latin typeface="Segoe UI" panose="020B0502040204020203" pitchFamily="34" charset="0"/>
+                <a:cs typeface="Segoe UI" panose="020B0502040204020203" pitchFamily="34" charset="0"/>
+              </a:rPr>
+              <a:t> Compacter</a:t>
+            </a:r>
+          </a:p>
+          <a:p>
+            <a:pPr>
+              <a:buFont typeface="Arial" panose="020B0604020202020204" pitchFamily="34" charset="0"/>
+              <a:buChar char="•"/>
+            </a:pPr>
+            <a:endParaRPr lang="en-GB" dirty="0">
+              <a:latin typeface="Segoe UI" panose="020B0502040204020203" pitchFamily="34" charset="0"/>
+              <a:cs typeface="Segoe UI" panose="020B0502040204020203" pitchFamily="34" charset="0"/>
+            </a:endParaRPr>
+          </a:p>
+          <a:p>
+            <a:pPr>
+              <a:buFont typeface="Arial" panose="020B0604020202020204" pitchFamily="34" charset="0"/>
+              <a:buChar char="•"/>
+            </a:pPr>
+            <a:r>
+              <a:rPr lang="en-GB" dirty="0">
+                <a:latin typeface="Segoe UI" panose="020B0502040204020203" pitchFamily="34" charset="0"/>
+                <a:cs typeface="Segoe UI" panose="020B0502040204020203" pitchFamily="34" charset="0"/>
+              </a:rPr>
+              <a:t> </a:t>
+            </a:r>
+            <a:r>
+              <a:rPr lang="en-GB" dirty="0" err="1">
+                <a:latin typeface="Segoe UI" panose="020B0502040204020203" pitchFamily="34" charset="0"/>
+                <a:cs typeface="Segoe UI" panose="020B0502040204020203" pitchFamily="34" charset="0"/>
+              </a:rPr>
+              <a:t>Prijs</a:t>
+            </a:r>
+            <a:r>
+              <a:rPr lang="en-GB" dirty="0">
+                <a:latin typeface="Segoe UI" panose="020B0502040204020203" pitchFamily="34" charset="0"/>
+                <a:cs typeface="Segoe UI" panose="020B0502040204020203" pitchFamily="34" charset="0"/>
+              </a:rPr>
+              <a:t>: €160.60</a:t>
+            </a:r>
+          </a:p>
+        </p:txBody>
+      </p:sp>
+    </p:spTree>
+    <p:extLst>
+      <p:ext uri="{BB962C8B-B14F-4D97-AF65-F5344CB8AC3E}">
+        <p14:creationId xmlns:p14="http://schemas.microsoft.com/office/powerpoint/2010/main" val="2600559136"/>
+      </p:ext>
+    </p:extLst>
+  </p:cSld>
+  <p:clrMapOvr>
+    <a:masterClrMapping/>
+  </p:clrMapOvr>
+  <p:transition>
+    <p:fade/>
+  </p:transition>
+</p:sld>
+</file>
+
+<file path=ppt/slides/slide15.xml><?xml version="1.0" encoding="utf-8"?>
+<p:sld xmlns:a="http://schemas.openxmlformats.org/drawingml/2006/main" xmlns:r="http://schemas.openxmlformats.org/officeDocument/2006/relationships" xmlns:p="http://schemas.openxmlformats.org/presentationml/2006/main">
+  <p:cSld>
+    <p:spTree>
+      <p:nvGrpSpPr>
+        <p:cNvPr id="1" name=""/>
+        <p:cNvGrpSpPr/>
+        <p:nvPr/>
+      </p:nvGrpSpPr>
+      <p:grpSpPr>
+        <a:xfrm>
+          <a:off x="0" y="0"/>
+          <a:ext cx="0" cy="0"/>
+          <a:chOff x="0" y="0"/>
+          <a:chExt cx="0" cy="0"/>
+        </a:xfrm>
+      </p:grpSpPr>
+      <p:sp>
+        <p:nvSpPr>
+          <p:cNvPr id="2" name="Titel 1">
+            <a:extLst>
+              <a:ext uri="{FF2B5EF4-FFF2-40B4-BE49-F238E27FC236}">
                 <a16:creationId xmlns:a16="http://schemas.microsoft.com/office/drawing/2014/main" id="{507F1CCA-6633-41A2-8ED2-169F30F91995}"/>
               </a:ext>
             </a:extLst>
@@ -6071,7 +6578,7 @@
 </p:sld>
 </file>
 
-<file path=ppt/slides/slide15.xml><?xml version="1.0" encoding="utf-8"?>
+<file path=ppt/slides/slide16.xml><?xml version="1.0" encoding="utf-8"?>
 <p:sld xmlns:a="http://schemas.openxmlformats.org/drawingml/2006/main" xmlns:r="http://schemas.openxmlformats.org/officeDocument/2006/relationships" xmlns:p="http://schemas.openxmlformats.org/presentationml/2006/main">
   <p:cSld>
     <p:spTree>
@@ -6381,7 +6888,7 @@
 </p:sld>
 </file>
 
-<file path=ppt/slides/slide16.xml><?xml version="1.0" encoding="utf-8"?>
+<file path=ppt/slides/slide17.xml><?xml version="1.0" encoding="utf-8"?>
 <p:sld xmlns:a="http://schemas.openxmlformats.org/drawingml/2006/main" xmlns:r="http://schemas.openxmlformats.org/officeDocument/2006/relationships" xmlns:p="http://schemas.openxmlformats.org/presentationml/2006/main">
   <p:cSld>
     <p:spTree>
@@ -6623,7 +7130,7 @@
 </p:sld>
 </file>
 
-<file path=ppt/slides/slide17.xml><?xml version="1.0" encoding="utf-8"?>
+<file path=ppt/slides/slide18.xml><?xml version="1.0" encoding="utf-8"?>
 <p:sld xmlns:a="http://schemas.openxmlformats.org/drawingml/2006/main" xmlns:r="http://schemas.openxmlformats.org/officeDocument/2006/relationships" xmlns:p="http://schemas.openxmlformats.org/presentationml/2006/main">
   <p:cSld>
     <p:spTree>
@@ -6890,7 +7397,7 @@
 </p:sld>
 </file>
 
-<file path=ppt/slides/slide18.xml><?xml version="1.0" encoding="utf-8"?>
+<file path=ppt/slides/slide19.xml><?xml version="1.0" encoding="utf-8"?>
 <p:sld xmlns:a="http://schemas.openxmlformats.org/drawingml/2006/main" xmlns:r="http://schemas.openxmlformats.org/officeDocument/2006/relationships" xmlns:p="http://schemas.openxmlformats.org/presentationml/2006/main">
   <p:cSld>
     <p:spTree>
@@ -7208,7 +7715,255 @@
 </p:sld>
 </file>
 
-<file path=ppt/slides/slide19.xml><?xml version="1.0" encoding="utf-8"?>
+<file path=ppt/slides/slide2.xml><?xml version="1.0" encoding="utf-8"?>
+<p:sld xmlns:a="http://schemas.openxmlformats.org/drawingml/2006/main" xmlns:r="http://schemas.openxmlformats.org/officeDocument/2006/relationships" xmlns:p="http://schemas.openxmlformats.org/presentationml/2006/main">
+  <p:cSld>
+    <p:spTree>
+      <p:nvGrpSpPr>
+        <p:cNvPr id="1" name=""/>
+        <p:cNvGrpSpPr/>
+        <p:nvPr/>
+      </p:nvGrpSpPr>
+      <p:grpSpPr>
+        <a:xfrm>
+          <a:off x="0" y="0"/>
+          <a:ext cx="0" cy="0"/>
+          <a:chOff x="0" y="0"/>
+          <a:chExt cx="0" cy="0"/>
+        </a:xfrm>
+      </p:grpSpPr>
+      <p:sp>
+        <p:nvSpPr>
+          <p:cNvPr id="2" name="Titel 1">
+            <a:extLst>
+              <a:ext uri="{FF2B5EF4-FFF2-40B4-BE49-F238E27FC236}">
+                <a16:creationId xmlns:a16="http://schemas.microsoft.com/office/drawing/2014/main" id="{F05BC4F7-6C5C-4D84-AD09-21A1BD725ADE}"/>
+              </a:ext>
+            </a:extLst>
+          </p:cNvPr>
+          <p:cNvSpPr>
+            <a:spLocks noGrp="1"/>
+          </p:cNvSpPr>
+          <p:nvPr>
+            <p:ph type="title"/>
+          </p:nvPr>
+        </p:nvSpPr>
+        <p:spPr/>
+        <p:txBody>
+          <a:bodyPr/>
+          <a:lstStyle/>
+          <a:p>
+            <a:r>
+              <a:rPr lang="en-GB" dirty="0" err="1">
+                <a:latin typeface="Segoe UI" panose="020B0502040204020203" pitchFamily="34" charset="0"/>
+                <a:cs typeface="Segoe UI" panose="020B0502040204020203" pitchFamily="34" charset="0"/>
+              </a:rPr>
+              <a:t>Voor</a:t>
+            </a:r>
+            <a:r>
+              <a:rPr lang="en-GB" dirty="0">
+                <a:latin typeface="Segoe UI" panose="020B0502040204020203" pitchFamily="34" charset="0"/>
+                <a:cs typeface="Segoe UI" panose="020B0502040204020203" pitchFamily="34" charset="0"/>
+              </a:rPr>
+              <a:t> We </a:t>
+            </a:r>
+            <a:r>
+              <a:rPr lang="en-GB" dirty="0" err="1">
+                <a:latin typeface="Segoe UI" panose="020B0502040204020203" pitchFamily="34" charset="0"/>
+                <a:cs typeface="Segoe UI" panose="020B0502040204020203" pitchFamily="34" charset="0"/>
+              </a:rPr>
+              <a:t>Beginnen</a:t>
+            </a:r>
+            <a:endParaRPr lang="en-GB" dirty="0">
+              <a:latin typeface="Segoe UI" panose="020B0502040204020203" pitchFamily="34" charset="0"/>
+              <a:cs typeface="Segoe UI" panose="020B0502040204020203" pitchFamily="34" charset="0"/>
+            </a:endParaRPr>
+          </a:p>
+        </p:txBody>
+      </p:sp>
+      <p:sp>
+        <p:nvSpPr>
+          <p:cNvPr id="3" name="Tijdelijke aanduiding voor inhoud 2">
+            <a:extLst>
+              <a:ext uri="{FF2B5EF4-FFF2-40B4-BE49-F238E27FC236}">
+                <a16:creationId xmlns:a16="http://schemas.microsoft.com/office/drawing/2014/main" id="{5DFEDF63-63CB-4163-BD78-EBCED782625E}"/>
+              </a:ext>
+            </a:extLst>
+          </p:cNvPr>
+          <p:cNvSpPr>
+            <a:spLocks noGrp="1"/>
+          </p:cNvSpPr>
+          <p:nvPr>
+            <p:ph idx="1"/>
+          </p:nvPr>
+        </p:nvSpPr>
+        <p:spPr/>
+        <p:txBody>
+          <a:bodyPr/>
+          <a:lstStyle/>
+          <a:p>
+            <a:pPr>
+              <a:buFont typeface="Arial" panose="020B0604020202020204" pitchFamily="34" charset="0"/>
+              <a:buChar char="•"/>
+            </a:pPr>
+            <a:r>
+              <a:rPr lang="en-GB" dirty="0">
+                <a:latin typeface="Segoe UI" panose="020B0502040204020203" pitchFamily="34" charset="0"/>
+                <a:cs typeface="Segoe UI" panose="020B0502040204020203" pitchFamily="34" charset="0"/>
+              </a:rPr>
+              <a:t> </a:t>
+            </a:r>
+            <a:r>
+              <a:rPr lang="en-GB" dirty="0" err="1">
+                <a:latin typeface="Segoe UI" panose="020B0502040204020203" pitchFamily="34" charset="0"/>
+                <a:cs typeface="Segoe UI" panose="020B0502040204020203" pitchFamily="34" charset="0"/>
+              </a:rPr>
+              <a:t>Vrijblijvend</a:t>
+            </a:r>
+            <a:endParaRPr lang="en-GB" dirty="0">
+              <a:latin typeface="Segoe UI" panose="020B0502040204020203" pitchFamily="34" charset="0"/>
+              <a:cs typeface="Segoe UI" panose="020B0502040204020203" pitchFamily="34" charset="0"/>
+            </a:endParaRPr>
+          </a:p>
+          <a:p>
+            <a:pPr>
+              <a:buFont typeface="Arial" panose="020B0604020202020204" pitchFamily="34" charset="0"/>
+              <a:buChar char="•"/>
+            </a:pPr>
+            <a:r>
+              <a:rPr lang="en-GB" dirty="0">
+                <a:latin typeface="Segoe UI" panose="020B0502040204020203" pitchFamily="34" charset="0"/>
+                <a:cs typeface="Segoe UI" panose="020B0502040204020203" pitchFamily="34" charset="0"/>
+              </a:rPr>
+              <a:t> </a:t>
+            </a:r>
+            <a:r>
+              <a:rPr lang="en-GB" dirty="0" err="1">
+                <a:latin typeface="Segoe UI" panose="020B0502040204020203" pitchFamily="34" charset="0"/>
+                <a:cs typeface="Segoe UI" panose="020B0502040204020203" pitchFamily="34" charset="0"/>
+              </a:rPr>
+              <a:t>Aanpassingen</a:t>
+            </a:r>
+            <a:r>
+              <a:rPr lang="en-GB" dirty="0">
+                <a:latin typeface="Segoe UI" panose="020B0502040204020203" pitchFamily="34" charset="0"/>
+                <a:cs typeface="Segoe UI" panose="020B0502040204020203" pitchFamily="34" charset="0"/>
+              </a:rPr>
+              <a:t> </a:t>
+            </a:r>
+            <a:r>
+              <a:rPr lang="en-GB" dirty="0" err="1">
+                <a:latin typeface="Segoe UI" panose="020B0502040204020203" pitchFamily="34" charset="0"/>
+                <a:cs typeface="Segoe UI" panose="020B0502040204020203" pitchFamily="34" charset="0"/>
+              </a:rPr>
+              <a:t>mogelijk</a:t>
+            </a:r>
+            <a:endParaRPr lang="en-GB" dirty="0">
+              <a:latin typeface="Segoe UI" panose="020B0502040204020203" pitchFamily="34" charset="0"/>
+              <a:cs typeface="Segoe UI" panose="020B0502040204020203" pitchFamily="34" charset="0"/>
+            </a:endParaRPr>
+          </a:p>
+          <a:p>
+            <a:pPr>
+              <a:buFont typeface="Arial" panose="020B0604020202020204" pitchFamily="34" charset="0"/>
+              <a:buChar char="•"/>
+            </a:pPr>
+            <a:r>
+              <a:rPr lang="en-GB" dirty="0">
+                <a:latin typeface="Segoe UI" panose="020B0502040204020203" pitchFamily="34" charset="0"/>
+                <a:cs typeface="Segoe UI" panose="020B0502040204020203" pitchFamily="34" charset="0"/>
+              </a:rPr>
+              <a:t> </a:t>
+            </a:r>
+            <a:r>
+              <a:rPr lang="en-GB" dirty="0" err="1">
+                <a:latin typeface="Segoe UI" panose="020B0502040204020203" pitchFamily="34" charset="0"/>
+                <a:cs typeface="Segoe UI" panose="020B0502040204020203" pitchFamily="34" charset="0"/>
+              </a:rPr>
+              <a:t>Vragen</a:t>
+            </a:r>
+            <a:r>
+              <a:rPr lang="en-GB" dirty="0">
+                <a:latin typeface="Segoe UI" panose="020B0502040204020203" pitchFamily="34" charset="0"/>
+                <a:cs typeface="Segoe UI" panose="020B0502040204020203" pitchFamily="34" charset="0"/>
+              </a:rPr>
+              <a:t>? </a:t>
+            </a:r>
+            <a:r>
+              <a:rPr lang="en-GB" dirty="0" err="1">
+                <a:latin typeface="Segoe UI" panose="020B0502040204020203" pitchFamily="34" charset="0"/>
+                <a:cs typeface="Segoe UI" panose="020B0502040204020203" pitchFamily="34" charset="0"/>
+              </a:rPr>
+              <a:t>Stel</a:t>
+            </a:r>
+            <a:r>
+              <a:rPr lang="en-GB" dirty="0">
+                <a:latin typeface="Segoe UI" panose="020B0502040204020203" pitchFamily="34" charset="0"/>
+                <a:cs typeface="Segoe UI" panose="020B0502040204020203" pitchFamily="34" charset="0"/>
+              </a:rPr>
+              <a:t> ze</a:t>
+            </a:r>
+          </a:p>
+          <a:p>
+            <a:pPr>
+              <a:buFont typeface="Arial" panose="020B0604020202020204" pitchFamily="34" charset="0"/>
+              <a:buChar char="•"/>
+            </a:pPr>
+            <a:r>
+              <a:rPr lang="en-GB" dirty="0">
+                <a:latin typeface="Segoe UI" panose="020B0502040204020203" pitchFamily="34" charset="0"/>
+                <a:cs typeface="Segoe UI" panose="020B0502040204020203" pitchFamily="34" charset="0"/>
+              </a:rPr>
+              <a:t> </a:t>
+            </a:r>
+            <a:r>
+              <a:rPr lang="en-GB" dirty="0" err="1">
+                <a:latin typeface="Segoe UI" panose="020B0502040204020203" pitchFamily="34" charset="0"/>
+                <a:cs typeface="Segoe UI" panose="020B0502040204020203" pitchFamily="34" charset="0"/>
+              </a:rPr>
+              <a:t>Prijzen</a:t>
+            </a:r>
+            <a:r>
+              <a:rPr lang="en-GB" dirty="0">
+                <a:latin typeface="Segoe UI" panose="020B0502040204020203" pitchFamily="34" charset="0"/>
+                <a:cs typeface="Segoe UI" panose="020B0502040204020203" pitchFamily="34" charset="0"/>
+              </a:rPr>
+              <a:t> </a:t>
+            </a:r>
+            <a:r>
+              <a:rPr lang="en-GB" dirty="0" err="1">
+                <a:latin typeface="Segoe UI" panose="020B0502040204020203" pitchFamily="34" charset="0"/>
+                <a:cs typeface="Segoe UI" panose="020B0502040204020203" pitchFamily="34" charset="0"/>
+              </a:rPr>
+              <a:t>zonder</a:t>
+            </a:r>
+            <a:r>
+              <a:rPr lang="en-GB" dirty="0">
+                <a:latin typeface="Segoe UI" panose="020B0502040204020203" pitchFamily="34" charset="0"/>
+                <a:cs typeface="Segoe UI" panose="020B0502040204020203" pitchFamily="34" charset="0"/>
+              </a:rPr>
+              <a:t> BTW</a:t>
+            </a:r>
+          </a:p>
+        </p:txBody>
+      </p:sp>
+    </p:spTree>
+    <p:extLst>
+      <p:ext uri="{BB962C8B-B14F-4D97-AF65-F5344CB8AC3E}">
+        <p14:creationId xmlns:p14="http://schemas.microsoft.com/office/powerpoint/2010/main" val="3476582551"/>
+      </p:ext>
+    </p:extLst>
+  </p:cSld>
+  <p:clrMapOvr>
+    <a:masterClrMapping/>
+  </p:clrMapOvr>
+  <p:transition>
+    <p:fade/>
+  </p:transition>
+</p:sld>
+</file>
+
+<file path=ppt/slides/slide20.xml><?xml version="1.0" encoding="utf-8"?>
 <p:sld xmlns:a="http://schemas.openxmlformats.org/drawingml/2006/main" xmlns:r="http://schemas.openxmlformats.org/officeDocument/2006/relationships" xmlns:p="http://schemas.openxmlformats.org/presentationml/2006/main">
   <p:cSld>
     <p:spTree>
@@ -7455,214 +8210,7 @@
 </p:sld>
 </file>
 
-<file path=ppt/slides/slide2.xml><?xml version="1.0" encoding="utf-8"?>
-<p:sld xmlns:a="http://schemas.openxmlformats.org/drawingml/2006/main" xmlns:r="http://schemas.openxmlformats.org/officeDocument/2006/relationships" xmlns:p="http://schemas.openxmlformats.org/presentationml/2006/main">
-  <p:cSld>
-    <p:spTree>
-      <p:nvGrpSpPr>
-        <p:cNvPr id="1" name=""/>
-        <p:cNvGrpSpPr/>
-        <p:nvPr/>
-      </p:nvGrpSpPr>
-      <p:grpSpPr>
-        <a:xfrm>
-          <a:off x="0" y="0"/>
-          <a:ext cx="0" cy="0"/>
-          <a:chOff x="0" y="0"/>
-          <a:chExt cx="0" cy="0"/>
-        </a:xfrm>
-      </p:grpSpPr>
-      <p:sp>
-        <p:nvSpPr>
-          <p:cNvPr id="2" name="Titel 1">
-            <a:extLst>
-              <a:ext uri="{FF2B5EF4-FFF2-40B4-BE49-F238E27FC236}">
-                <a16:creationId xmlns:a16="http://schemas.microsoft.com/office/drawing/2014/main" id="{F05BC4F7-6C5C-4D84-AD09-21A1BD725ADE}"/>
-              </a:ext>
-            </a:extLst>
-          </p:cNvPr>
-          <p:cNvSpPr>
-            <a:spLocks noGrp="1"/>
-          </p:cNvSpPr>
-          <p:nvPr>
-            <p:ph type="title"/>
-          </p:nvPr>
-        </p:nvSpPr>
-        <p:spPr/>
-        <p:txBody>
-          <a:bodyPr/>
-          <a:lstStyle/>
-          <a:p>
-            <a:r>
-              <a:rPr lang="en-GB" dirty="0" err="1">
-                <a:latin typeface="Segoe UI" panose="020B0502040204020203" pitchFamily="34" charset="0"/>
-                <a:cs typeface="Segoe UI" panose="020B0502040204020203" pitchFamily="34" charset="0"/>
-              </a:rPr>
-              <a:t>Voor</a:t>
-            </a:r>
-            <a:r>
-              <a:rPr lang="en-GB" dirty="0">
-                <a:latin typeface="Segoe UI" panose="020B0502040204020203" pitchFamily="34" charset="0"/>
-                <a:cs typeface="Segoe UI" panose="020B0502040204020203" pitchFamily="34" charset="0"/>
-              </a:rPr>
-              <a:t> We </a:t>
-            </a:r>
-            <a:r>
-              <a:rPr lang="en-GB" dirty="0" err="1">
-                <a:latin typeface="Segoe UI" panose="020B0502040204020203" pitchFamily="34" charset="0"/>
-                <a:cs typeface="Segoe UI" panose="020B0502040204020203" pitchFamily="34" charset="0"/>
-              </a:rPr>
-              <a:t>Beginnen</a:t>
-            </a:r>
-            <a:endParaRPr lang="en-GB" dirty="0">
-              <a:latin typeface="Segoe UI" panose="020B0502040204020203" pitchFamily="34" charset="0"/>
-              <a:cs typeface="Segoe UI" panose="020B0502040204020203" pitchFamily="34" charset="0"/>
-            </a:endParaRPr>
-          </a:p>
-        </p:txBody>
-      </p:sp>
-      <p:sp>
-        <p:nvSpPr>
-          <p:cNvPr id="3" name="Tijdelijke aanduiding voor inhoud 2">
-            <a:extLst>
-              <a:ext uri="{FF2B5EF4-FFF2-40B4-BE49-F238E27FC236}">
-                <a16:creationId xmlns:a16="http://schemas.microsoft.com/office/drawing/2014/main" id="{5DFEDF63-63CB-4163-BD78-EBCED782625E}"/>
-              </a:ext>
-            </a:extLst>
-          </p:cNvPr>
-          <p:cNvSpPr>
-            <a:spLocks noGrp="1"/>
-          </p:cNvSpPr>
-          <p:nvPr>
-            <p:ph idx="1"/>
-          </p:nvPr>
-        </p:nvSpPr>
-        <p:spPr/>
-        <p:txBody>
-          <a:bodyPr/>
-          <a:lstStyle/>
-          <a:p>
-            <a:pPr>
-              <a:buFont typeface="Arial" panose="020B0604020202020204" pitchFamily="34" charset="0"/>
-              <a:buChar char="•"/>
-            </a:pPr>
-            <a:r>
-              <a:rPr lang="en-GB" dirty="0">
-                <a:latin typeface="Segoe UI" panose="020B0502040204020203" pitchFamily="34" charset="0"/>
-                <a:cs typeface="Segoe UI" panose="020B0502040204020203" pitchFamily="34" charset="0"/>
-              </a:rPr>
-              <a:t> </a:t>
-            </a:r>
-            <a:r>
-              <a:rPr lang="en-GB" dirty="0" err="1">
-                <a:latin typeface="Segoe UI" panose="020B0502040204020203" pitchFamily="34" charset="0"/>
-                <a:cs typeface="Segoe UI" panose="020B0502040204020203" pitchFamily="34" charset="0"/>
-              </a:rPr>
-              <a:t>Vrijblijvend</a:t>
-            </a:r>
-            <a:endParaRPr lang="en-GB" dirty="0">
-              <a:latin typeface="Segoe UI" panose="020B0502040204020203" pitchFamily="34" charset="0"/>
-              <a:cs typeface="Segoe UI" panose="020B0502040204020203" pitchFamily="34" charset="0"/>
-            </a:endParaRPr>
-          </a:p>
-          <a:p>
-            <a:pPr>
-              <a:buFont typeface="Arial" panose="020B0604020202020204" pitchFamily="34" charset="0"/>
-              <a:buChar char="•"/>
-            </a:pPr>
-            <a:r>
-              <a:rPr lang="en-GB" dirty="0">
-                <a:latin typeface="Segoe UI" panose="020B0502040204020203" pitchFamily="34" charset="0"/>
-                <a:cs typeface="Segoe UI" panose="020B0502040204020203" pitchFamily="34" charset="0"/>
-              </a:rPr>
-              <a:t> </a:t>
-            </a:r>
-            <a:r>
-              <a:rPr lang="en-GB" dirty="0" err="1">
-                <a:latin typeface="Segoe UI" panose="020B0502040204020203" pitchFamily="34" charset="0"/>
-                <a:cs typeface="Segoe UI" panose="020B0502040204020203" pitchFamily="34" charset="0"/>
-              </a:rPr>
-              <a:t>Aanpassingen</a:t>
-            </a:r>
-            <a:r>
-              <a:rPr lang="en-GB" dirty="0">
-                <a:latin typeface="Segoe UI" panose="020B0502040204020203" pitchFamily="34" charset="0"/>
-                <a:cs typeface="Segoe UI" panose="020B0502040204020203" pitchFamily="34" charset="0"/>
-              </a:rPr>
-              <a:t> </a:t>
-            </a:r>
-            <a:r>
-              <a:rPr lang="en-GB" dirty="0" err="1">
-                <a:latin typeface="Segoe UI" panose="020B0502040204020203" pitchFamily="34" charset="0"/>
-                <a:cs typeface="Segoe UI" panose="020B0502040204020203" pitchFamily="34" charset="0"/>
-              </a:rPr>
-              <a:t>mogelijk</a:t>
-            </a:r>
-            <a:endParaRPr lang="en-GB" dirty="0">
-              <a:latin typeface="Segoe UI" panose="020B0502040204020203" pitchFamily="34" charset="0"/>
-              <a:cs typeface="Segoe UI" panose="020B0502040204020203" pitchFamily="34" charset="0"/>
-            </a:endParaRPr>
-          </a:p>
-          <a:p>
-            <a:pPr>
-              <a:buFont typeface="Arial" panose="020B0604020202020204" pitchFamily="34" charset="0"/>
-              <a:buChar char="•"/>
-            </a:pPr>
-            <a:r>
-              <a:rPr lang="en-GB" dirty="0">
-                <a:latin typeface="Segoe UI" panose="020B0502040204020203" pitchFamily="34" charset="0"/>
-                <a:cs typeface="Segoe UI" panose="020B0502040204020203" pitchFamily="34" charset="0"/>
-              </a:rPr>
-              <a:t> </a:t>
-            </a:r>
-            <a:r>
-              <a:rPr lang="en-GB" dirty="0" err="1">
-                <a:latin typeface="Segoe UI" panose="020B0502040204020203" pitchFamily="34" charset="0"/>
-                <a:cs typeface="Segoe UI" panose="020B0502040204020203" pitchFamily="34" charset="0"/>
-              </a:rPr>
-              <a:t>Vragen</a:t>
-            </a:r>
-            <a:r>
-              <a:rPr lang="en-GB" dirty="0">
-                <a:latin typeface="Segoe UI" panose="020B0502040204020203" pitchFamily="34" charset="0"/>
-                <a:cs typeface="Segoe UI" panose="020B0502040204020203" pitchFamily="34" charset="0"/>
-              </a:rPr>
-              <a:t>? </a:t>
-            </a:r>
-            <a:r>
-              <a:rPr lang="en-GB" dirty="0" err="1">
-                <a:latin typeface="Segoe UI" panose="020B0502040204020203" pitchFamily="34" charset="0"/>
-                <a:cs typeface="Segoe UI" panose="020B0502040204020203" pitchFamily="34" charset="0"/>
-              </a:rPr>
-              <a:t>Stel</a:t>
-            </a:r>
-            <a:r>
-              <a:rPr lang="en-GB" dirty="0">
-                <a:latin typeface="Segoe UI" panose="020B0502040204020203" pitchFamily="34" charset="0"/>
-                <a:cs typeface="Segoe UI" panose="020B0502040204020203" pitchFamily="34" charset="0"/>
-              </a:rPr>
-              <a:t> ze</a:t>
-            </a:r>
-          </a:p>
-        </p:txBody>
-      </p:sp>
-    </p:spTree>
-    <p:extLst>
-      <p:ext uri="{BB962C8B-B14F-4D97-AF65-F5344CB8AC3E}">
-        <p14:creationId xmlns:p14="http://schemas.microsoft.com/office/powerpoint/2010/main" val="3476582551"/>
-      </p:ext>
-    </p:extLst>
-  </p:cSld>
-  <p:clrMapOvr>
-    <a:masterClrMapping/>
-  </p:clrMapOvr>
-  <p:transition>
-    <p:fade/>
-  </p:transition>
-</p:sld>
-</file>
-
-<file path=ppt/slides/slide20.xml><?xml version="1.0" encoding="utf-8"?>
+<file path=ppt/slides/slide21.xml><?xml version="1.0" encoding="utf-8"?>
 <p:sld xmlns:a="http://schemas.openxmlformats.org/drawingml/2006/main" xmlns:r="http://schemas.openxmlformats.org/officeDocument/2006/relationships" xmlns:p="http://schemas.openxmlformats.org/presentationml/2006/main">
   <p:cSld>
     <p:spTree>
@@ -8080,7 +8628,7 @@
 </p:sld>
 </file>
 
-<file path=ppt/slides/slide21.xml><?xml version="1.0" encoding="utf-8"?>
+<file path=ppt/slides/slide22.xml><?xml version="1.0" encoding="utf-8"?>
 <p:sld xmlns:a="http://schemas.openxmlformats.org/drawingml/2006/main" xmlns:r="http://schemas.openxmlformats.org/officeDocument/2006/relationships" xmlns:p="http://schemas.openxmlformats.org/presentationml/2006/main">
   <p:cSld>
     <p:spTree>
@@ -8422,7 +8970,7 @@
 </p:sld>
 </file>
 
-<file path=ppt/slides/slide22.xml><?xml version="1.0" encoding="utf-8"?>
+<file path=ppt/slides/slide23.xml><?xml version="1.0" encoding="utf-8"?>
 <p:sld xmlns:a="http://schemas.openxmlformats.org/drawingml/2006/main" xmlns:r="http://schemas.openxmlformats.org/officeDocument/2006/relationships" xmlns:p="http://schemas.openxmlformats.org/presentationml/2006/main">
   <p:cSld>
     <p:spTree>
@@ -8722,7 +9270,7 @@
 </p:sld>
 </file>
 
-<file path=ppt/slides/slide23.xml><?xml version="1.0" encoding="utf-8"?>
+<file path=ppt/slides/slide24.xml><?xml version="1.0" encoding="utf-8"?>
 <p:sld xmlns:a="http://schemas.openxmlformats.org/drawingml/2006/main" xmlns:r="http://schemas.openxmlformats.org/officeDocument/2006/relationships" xmlns:p="http://schemas.openxmlformats.org/presentationml/2006/main">
   <p:cSld>
     <p:spTree>
@@ -9098,7 +9646,7 @@
 </p:sld>
 </file>
 
-<file path=ppt/slides/slide24.xml><?xml version="1.0" encoding="utf-8"?>
+<file path=ppt/slides/slide25.xml><?xml version="1.0" encoding="utf-8"?>
 <p:sld xmlns:a="http://schemas.openxmlformats.org/drawingml/2006/main" xmlns:r="http://schemas.openxmlformats.org/officeDocument/2006/relationships" xmlns:p="http://schemas.openxmlformats.org/presentationml/2006/main">
   <p:cSld>
     <p:spTree>
@@ -9580,7 +10128,7 @@
 </p:sld>
 </file>
 
-<file path=ppt/slides/slide25.xml><?xml version="1.0" encoding="utf-8"?>
+<file path=ppt/slides/slide26.xml><?xml version="1.0" encoding="utf-8"?>
 <p:sld xmlns:a="http://schemas.openxmlformats.org/drawingml/2006/main" xmlns:r="http://schemas.openxmlformats.org/officeDocument/2006/relationships" xmlns:p="http://schemas.openxmlformats.org/presentationml/2006/main">
   <p:cSld>
     <p:spTree>
@@ -9803,7 +10351,7 @@
 </p:sld>
 </file>
 
-<file path=ppt/slides/slide26.xml><?xml version="1.0" encoding="utf-8"?>
+<file path=ppt/slides/slide27.xml><?xml version="1.0" encoding="utf-8"?>
 <p:sld xmlns:a="http://schemas.openxmlformats.org/drawingml/2006/main" xmlns:r="http://schemas.openxmlformats.org/officeDocument/2006/relationships" xmlns:p="http://schemas.openxmlformats.org/presentationml/2006/main">
   <p:cSld>
     <p:spTree>
@@ -10050,7 +10598,7 @@
 </p:sld>
 </file>
 
-<file path=ppt/slides/slide27.xml><?xml version="1.0" encoding="utf-8"?>
+<file path=ppt/slides/slide28.xml><?xml version="1.0" encoding="utf-8"?>
 <p:sld xmlns:a="http://schemas.openxmlformats.org/drawingml/2006/main" xmlns:r="http://schemas.openxmlformats.org/officeDocument/2006/relationships" xmlns:p="http://schemas.openxmlformats.org/presentationml/2006/main">
   <p:cSld>
     <p:spTree>
@@ -10306,7 +10854,7 @@
 </p:sld>
 </file>
 
-<file path=ppt/slides/slide28.xml><?xml version="1.0" encoding="utf-8"?>
+<file path=ppt/slides/slide29.xml><?xml version="1.0" encoding="utf-8"?>
 <p:sld xmlns:a="http://schemas.openxmlformats.org/drawingml/2006/main" xmlns:r="http://schemas.openxmlformats.org/officeDocument/2006/relationships" xmlns:p="http://schemas.openxmlformats.org/presentationml/2006/main">
   <p:cSld>
     <p:spTree>
@@ -10565,236 +11113,6 @@
     <p:extLst>
       <p:ext uri="{BB962C8B-B14F-4D97-AF65-F5344CB8AC3E}">
         <p14:creationId xmlns:p14="http://schemas.microsoft.com/office/powerpoint/2010/main" val="415645140"/>
-      </p:ext>
-    </p:extLst>
-  </p:cSld>
-  <p:clrMapOvr>
-    <a:masterClrMapping/>
-  </p:clrMapOvr>
-  <p:transition>
-    <p:fade/>
-  </p:transition>
-</p:sld>
-</file>
-
-<file path=ppt/slides/slide29.xml><?xml version="1.0" encoding="utf-8"?>
-<p:sld xmlns:a="http://schemas.openxmlformats.org/drawingml/2006/main" xmlns:r="http://schemas.openxmlformats.org/officeDocument/2006/relationships" xmlns:p="http://schemas.openxmlformats.org/presentationml/2006/main">
-  <p:cSld>
-    <p:spTree>
-      <p:nvGrpSpPr>
-        <p:cNvPr id="1" name=""/>
-        <p:cNvGrpSpPr/>
-        <p:nvPr/>
-      </p:nvGrpSpPr>
-      <p:grpSpPr>
-        <a:xfrm>
-          <a:off x="0" y="0"/>
-          <a:ext cx="0" cy="0"/>
-          <a:chOff x="0" y="0"/>
-          <a:chExt cx="0" cy="0"/>
-        </a:xfrm>
-      </p:grpSpPr>
-      <p:sp>
-        <p:nvSpPr>
-          <p:cNvPr id="2" name="Titel 1">
-            <a:extLst>
-              <a:ext uri="{FF2B5EF4-FFF2-40B4-BE49-F238E27FC236}">
-                <a16:creationId xmlns:a16="http://schemas.microsoft.com/office/drawing/2014/main" id="{C007110A-32DC-4B51-8DF1-5139E6C38F09}"/>
-              </a:ext>
-            </a:extLst>
-          </p:cNvPr>
-          <p:cNvSpPr>
-            <a:spLocks noGrp="1"/>
-          </p:cNvSpPr>
-          <p:nvPr>
-            <p:ph type="title"/>
-          </p:nvPr>
-        </p:nvSpPr>
-        <p:spPr/>
-        <p:txBody>
-          <a:bodyPr/>
-          <a:lstStyle/>
-          <a:p>
-            <a:r>
-              <a:rPr lang="en-GB" dirty="0" err="1">
-                <a:latin typeface="Segoe UI" panose="020B0502040204020203" pitchFamily="34" charset="0"/>
-                <a:cs typeface="Segoe UI" panose="020B0502040204020203" pitchFamily="34" charset="0"/>
-              </a:rPr>
-              <a:t>Licenties</a:t>
-            </a:r>
-            <a:r>
-              <a:rPr lang="en-GB" dirty="0">
-                <a:latin typeface="Segoe UI" panose="020B0502040204020203" pitchFamily="34" charset="0"/>
-                <a:cs typeface="Segoe UI" panose="020B0502040204020203" pitchFamily="34" charset="0"/>
-              </a:rPr>
-              <a:t>: </a:t>
-            </a:r>
-            <a:r>
-              <a:rPr lang="en-GB" dirty="0" err="1">
-                <a:latin typeface="Segoe UI" panose="020B0502040204020203" pitchFamily="34" charset="0"/>
-                <a:cs typeface="Segoe UI" panose="020B0502040204020203" pitchFamily="34" charset="0"/>
-              </a:rPr>
-              <a:t>IDrive</a:t>
-            </a:r>
-            <a:r>
-              <a:rPr lang="en-GB" dirty="0">
-                <a:latin typeface="Segoe UI" panose="020B0502040204020203" pitchFamily="34" charset="0"/>
-                <a:cs typeface="Segoe UI" panose="020B0502040204020203" pitchFamily="34" charset="0"/>
-              </a:rPr>
-              <a:t> Business Backup</a:t>
-            </a:r>
-          </a:p>
-        </p:txBody>
-      </p:sp>
-      <p:sp>
-        <p:nvSpPr>
-          <p:cNvPr id="3" name="Tijdelijke aanduiding voor inhoud 2">
-            <a:extLst>
-              <a:ext uri="{FF2B5EF4-FFF2-40B4-BE49-F238E27FC236}">
-                <a16:creationId xmlns:a16="http://schemas.microsoft.com/office/drawing/2014/main" id="{A4439730-742E-495D-A418-92D480CBB924}"/>
-              </a:ext>
-            </a:extLst>
-          </p:cNvPr>
-          <p:cNvSpPr>
-            <a:spLocks noGrp="1"/>
-          </p:cNvSpPr>
-          <p:nvPr>
-            <p:ph idx="1"/>
-          </p:nvPr>
-        </p:nvSpPr>
-        <p:spPr/>
-        <p:txBody>
-          <a:bodyPr/>
-          <a:lstStyle/>
-          <a:p>
-            <a:pPr>
-              <a:buFont typeface="Arial" panose="020B0604020202020204" pitchFamily="34" charset="0"/>
-              <a:buChar char="•"/>
-            </a:pPr>
-            <a:r>
-              <a:rPr lang="en-GB" dirty="0">
-                <a:latin typeface="Segoe UI" panose="020B0502040204020203" pitchFamily="34" charset="0"/>
-                <a:cs typeface="Segoe UI" panose="020B0502040204020203" pitchFamily="34" charset="0"/>
-              </a:rPr>
-              <a:t> </a:t>
-            </a:r>
-            <a:r>
-              <a:rPr lang="en-GB" dirty="0" err="1">
-                <a:latin typeface="Segoe UI" panose="020B0502040204020203" pitchFamily="34" charset="0"/>
-                <a:cs typeface="Segoe UI" panose="020B0502040204020203" pitchFamily="34" charset="0"/>
-              </a:rPr>
-              <a:t>Optioneel</a:t>
-            </a:r>
-            <a:endParaRPr lang="en-GB" dirty="0">
-              <a:latin typeface="Segoe UI" panose="020B0502040204020203" pitchFamily="34" charset="0"/>
-              <a:cs typeface="Segoe UI" panose="020B0502040204020203" pitchFamily="34" charset="0"/>
-            </a:endParaRPr>
-          </a:p>
-          <a:p>
-            <a:pPr>
-              <a:buFont typeface="Arial" panose="020B0604020202020204" pitchFamily="34" charset="0"/>
-              <a:buChar char="•"/>
-            </a:pPr>
-            <a:r>
-              <a:rPr lang="en-GB" dirty="0">
-                <a:latin typeface="Segoe UI" panose="020B0502040204020203" pitchFamily="34" charset="0"/>
-                <a:cs typeface="Segoe UI" panose="020B0502040204020203" pitchFamily="34" charset="0"/>
-              </a:rPr>
-              <a:t> Cloud Backup Service</a:t>
-            </a:r>
-          </a:p>
-          <a:p>
-            <a:pPr>
-              <a:buFont typeface="Arial" panose="020B0604020202020204" pitchFamily="34" charset="0"/>
-              <a:buChar char="•"/>
-            </a:pPr>
-            <a:r>
-              <a:rPr lang="en-GB" dirty="0">
-                <a:latin typeface="Segoe UI" panose="020B0502040204020203" pitchFamily="34" charset="0"/>
-                <a:cs typeface="Segoe UI" panose="020B0502040204020203" pitchFamily="34" charset="0"/>
-              </a:rPr>
-              <a:t> 250 GB</a:t>
-            </a:r>
-          </a:p>
-          <a:p>
-            <a:pPr>
-              <a:buFont typeface="Arial" panose="020B0604020202020204" pitchFamily="34" charset="0"/>
-              <a:buChar char="•"/>
-            </a:pPr>
-            <a:r>
-              <a:rPr lang="en-GB" dirty="0">
-                <a:latin typeface="Segoe UI" panose="020B0502040204020203" pitchFamily="34" charset="0"/>
-                <a:cs typeface="Segoe UI" panose="020B0502040204020203" pitchFamily="34" charset="0"/>
-              </a:rPr>
-              <a:t> Continuous Data Protection</a:t>
-            </a:r>
-          </a:p>
-          <a:p>
-            <a:pPr>
-              <a:buFont typeface="Arial" panose="020B0604020202020204" pitchFamily="34" charset="0"/>
-              <a:buChar char="•"/>
-            </a:pPr>
-            <a:r>
-              <a:rPr lang="en-GB" dirty="0">
-                <a:latin typeface="Segoe UI" panose="020B0502040204020203" pitchFamily="34" charset="0"/>
-                <a:cs typeface="Segoe UI" panose="020B0502040204020203" pitchFamily="34" charset="0"/>
-              </a:rPr>
-              <a:t> Open File Backup</a:t>
-            </a:r>
-          </a:p>
-        </p:txBody>
-      </p:sp>
-      <p:pic>
-        <p:nvPicPr>
-          <p:cNvPr id="9218" name="Picture 2" descr="Image result for idrive logo png">
-            <a:extLst>
-              <a:ext uri="{FF2B5EF4-FFF2-40B4-BE49-F238E27FC236}">
-                <a16:creationId xmlns:a16="http://schemas.microsoft.com/office/drawing/2014/main" id="{3B65EF2C-9FAE-44F6-9BC4-88587CCD4287}"/>
-              </a:ext>
-            </a:extLst>
-          </p:cNvPr>
-          <p:cNvPicPr>
-            <a:picLocks noChangeAspect="1" noChangeArrowheads="1"/>
-          </p:cNvPicPr>
-          <p:nvPr/>
-        </p:nvPicPr>
-        <p:blipFill>
-          <a:blip r:embed="rId2">
-            <a:extLst>
-              <a:ext uri="{28A0092B-C50C-407E-A947-70E740481C1C}">
-                <a14:useLocalDpi xmlns:a14="http://schemas.microsoft.com/office/drawing/2010/main" val="0"/>
-              </a:ext>
-            </a:extLst>
-          </a:blip>
-          <a:srcRect/>
-          <a:stretch>
-            <a:fillRect/>
-          </a:stretch>
-        </p:blipFill>
-        <p:spPr bwMode="auto">
-          <a:xfrm>
-            <a:off x="6795162" y="4136966"/>
-            <a:ext cx="5066894" cy="1901320"/>
-          </a:xfrm>
-          <a:prstGeom prst="rect">
-            <a:avLst/>
-          </a:prstGeom>
-          <a:noFill/>
-          <a:extLst>
-            <a:ext uri="{909E8E84-426E-40DD-AFC4-6F175D3DCCD1}">
-              <a14:hiddenFill xmlns:a14="http://schemas.microsoft.com/office/drawing/2010/main">
-                <a:solidFill>
-                  <a:srgbClr val="FFFFFF"/>
-                </a:solidFill>
-              </a14:hiddenFill>
-            </a:ext>
-          </a:extLst>
-        </p:spPr>
-      </p:pic>
-    </p:spTree>
-    <p:extLst>
-      <p:ext uri="{BB962C8B-B14F-4D97-AF65-F5344CB8AC3E}">
-        <p14:creationId xmlns:p14="http://schemas.microsoft.com/office/powerpoint/2010/main" val="1503125605"/>
       </p:ext>
     </p:extLst>
   </p:cSld>
@@ -10952,6 +11270,236 @@
           <p:cNvPr id="2" name="Titel 1">
             <a:extLst>
               <a:ext uri="{FF2B5EF4-FFF2-40B4-BE49-F238E27FC236}">
+                <a16:creationId xmlns:a16="http://schemas.microsoft.com/office/drawing/2014/main" id="{C007110A-32DC-4B51-8DF1-5139E6C38F09}"/>
+              </a:ext>
+            </a:extLst>
+          </p:cNvPr>
+          <p:cNvSpPr>
+            <a:spLocks noGrp="1"/>
+          </p:cNvSpPr>
+          <p:nvPr>
+            <p:ph type="title"/>
+          </p:nvPr>
+        </p:nvSpPr>
+        <p:spPr/>
+        <p:txBody>
+          <a:bodyPr/>
+          <a:lstStyle/>
+          <a:p>
+            <a:r>
+              <a:rPr lang="en-GB" dirty="0" err="1">
+                <a:latin typeface="Segoe UI" panose="020B0502040204020203" pitchFamily="34" charset="0"/>
+                <a:cs typeface="Segoe UI" panose="020B0502040204020203" pitchFamily="34" charset="0"/>
+              </a:rPr>
+              <a:t>Licenties</a:t>
+            </a:r>
+            <a:r>
+              <a:rPr lang="en-GB" dirty="0">
+                <a:latin typeface="Segoe UI" panose="020B0502040204020203" pitchFamily="34" charset="0"/>
+                <a:cs typeface="Segoe UI" panose="020B0502040204020203" pitchFamily="34" charset="0"/>
+              </a:rPr>
+              <a:t>: </a:t>
+            </a:r>
+            <a:r>
+              <a:rPr lang="en-GB" dirty="0" err="1">
+                <a:latin typeface="Segoe UI" panose="020B0502040204020203" pitchFamily="34" charset="0"/>
+                <a:cs typeface="Segoe UI" panose="020B0502040204020203" pitchFamily="34" charset="0"/>
+              </a:rPr>
+              <a:t>IDrive</a:t>
+            </a:r>
+            <a:r>
+              <a:rPr lang="en-GB" dirty="0">
+                <a:latin typeface="Segoe UI" panose="020B0502040204020203" pitchFamily="34" charset="0"/>
+                <a:cs typeface="Segoe UI" panose="020B0502040204020203" pitchFamily="34" charset="0"/>
+              </a:rPr>
+              <a:t> Business Backup</a:t>
+            </a:r>
+          </a:p>
+        </p:txBody>
+      </p:sp>
+      <p:sp>
+        <p:nvSpPr>
+          <p:cNvPr id="3" name="Tijdelijke aanduiding voor inhoud 2">
+            <a:extLst>
+              <a:ext uri="{FF2B5EF4-FFF2-40B4-BE49-F238E27FC236}">
+                <a16:creationId xmlns:a16="http://schemas.microsoft.com/office/drawing/2014/main" id="{A4439730-742E-495D-A418-92D480CBB924}"/>
+              </a:ext>
+            </a:extLst>
+          </p:cNvPr>
+          <p:cNvSpPr>
+            <a:spLocks noGrp="1"/>
+          </p:cNvSpPr>
+          <p:nvPr>
+            <p:ph idx="1"/>
+          </p:nvPr>
+        </p:nvSpPr>
+        <p:spPr/>
+        <p:txBody>
+          <a:bodyPr/>
+          <a:lstStyle/>
+          <a:p>
+            <a:pPr>
+              <a:buFont typeface="Arial" panose="020B0604020202020204" pitchFamily="34" charset="0"/>
+              <a:buChar char="•"/>
+            </a:pPr>
+            <a:r>
+              <a:rPr lang="en-GB" dirty="0">
+                <a:latin typeface="Segoe UI" panose="020B0502040204020203" pitchFamily="34" charset="0"/>
+                <a:cs typeface="Segoe UI" panose="020B0502040204020203" pitchFamily="34" charset="0"/>
+              </a:rPr>
+              <a:t> </a:t>
+            </a:r>
+            <a:r>
+              <a:rPr lang="en-GB" dirty="0" err="1">
+                <a:latin typeface="Segoe UI" panose="020B0502040204020203" pitchFamily="34" charset="0"/>
+                <a:cs typeface="Segoe UI" panose="020B0502040204020203" pitchFamily="34" charset="0"/>
+              </a:rPr>
+              <a:t>Optioneel</a:t>
+            </a:r>
+            <a:endParaRPr lang="en-GB" dirty="0">
+              <a:latin typeface="Segoe UI" panose="020B0502040204020203" pitchFamily="34" charset="0"/>
+              <a:cs typeface="Segoe UI" panose="020B0502040204020203" pitchFamily="34" charset="0"/>
+            </a:endParaRPr>
+          </a:p>
+          <a:p>
+            <a:pPr>
+              <a:buFont typeface="Arial" panose="020B0604020202020204" pitchFamily="34" charset="0"/>
+              <a:buChar char="•"/>
+            </a:pPr>
+            <a:r>
+              <a:rPr lang="en-GB" dirty="0">
+                <a:latin typeface="Segoe UI" panose="020B0502040204020203" pitchFamily="34" charset="0"/>
+                <a:cs typeface="Segoe UI" panose="020B0502040204020203" pitchFamily="34" charset="0"/>
+              </a:rPr>
+              <a:t> Cloud Backup Service</a:t>
+            </a:r>
+          </a:p>
+          <a:p>
+            <a:pPr>
+              <a:buFont typeface="Arial" panose="020B0604020202020204" pitchFamily="34" charset="0"/>
+              <a:buChar char="•"/>
+            </a:pPr>
+            <a:r>
+              <a:rPr lang="en-GB" dirty="0">
+                <a:latin typeface="Segoe UI" panose="020B0502040204020203" pitchFamily="34" charset="0"/>
+                <a:cs typeface="Segoe UI" panose="020B0502040204020203" pitchFamily="34" charset="0"/>
+              </a:rPr>
+              <a:t> 250 GB</a:t>
+            </a:r>
+          </a:p>
+          <a:p>
+            <a:pPr>
+              <a:buFont typeface="Arial" panose="020B0604020202020204" pitchFamily="34" charset="0"/>
+              <a:buChar char="•"/>
+            </a:pPr>
+            <a:r>
+              <a:rPr lang="en-GB" dirty="0">
+                <a:latin typeface="Segoe UI" panose="020B0502040204020203" pitchFamily="34" charset="0"/>
+                <a:cs typeface="Segoe UI" panose="020B0502040204020203" pitchFamily="34" charset="0"/>
+              </a:rPr>
+              <a:t> Continuous Data Protection</a:t>
+            </a:r>
+          </a:p>
+          <a:p>
+            <a:pPr>
+              <a:buFont typeface="Arial" panose="020B0604020202020204" pitchFamily="34" charset="0"/>
+              <a:buChar char="•"/>
+            </a:pPr>
+            <a:r>
+              <a:rPr lang="en-GB" dirty="0">
+                <a:latin typeface="Segoe UI" panose="020B0502040204020203" pitchFamily="34" charset="0"/>
+                <a:cs typeface="Segoe UI" panose="020B0502040204020203" pitchFamily="34" charset="0"/>
+              </a:rPr>
+              <a:t> Open File Backup</a:t>
+            </a:r>
+          </a:p>
+        </p:txBody>
+      </p:sp>
+      <p:pic>
+        <p:nvPicPr>
+          <p:cNvPr id="9218" name="Picture 2" descr="Image result for idrive logo png">
+            <a:extLst>
+              <a:ext uri="{FF2B5EF4-FFF2-40B4-BE49-F238E27FC236}">
+                <a16:creationId xmlns:a16="http://schemas.microsoft.com/office/drawing/2014/main" id="{3B65EF2C-9FAE-44F6-9BC4-88587CCD4287}"/>
+              </a:ext>
+            </a:extLst>
+          </p:cNvPr>
+          <p:cNvPicPr>
+            <a:picLocks noChangeAspect="1" noChangeArrowheads="1"/>
+          </p:cNvPicPr>
+          <p:nvPr/>
+        </p:nvPicPr>
+        <p:blipFill>
+          <a:blip r:embed="rId2">
+            <a:extLst>
+              <a:ext uri="{28A0092B-C50C-407E-A947-70E740481C1C}">
+                <a14:useLocalDpi xmlns:a14="http://schemas.microsoft.com/office/drawing/2010/main" val="0"/>
+              </a:ext>
+            </a:extLst>
+          </a:blip>
+          <a:srcRect/>
+          <a:stretch>
+            <a:fillRect/>
+          </a:stretch>
+        </p:blipFill>
+        <p:spPr bwMode="auto">
+          <a:xfrm>
+            <a:off x="6795162" y="4136966"/>
+            <a:ext cx="5066894" cy="1901320"/>
+          </a:xfrm>
+          <a:prstGeom prst="rect">
+            <a:avLst/>
+          </a:prstGeom>
+          <a:noFill/>
+          <a:extLst>
+            <a:ext uri="{909E8E84-426E-40DD-AFC4-6F175D3DCCD1}">
+              <a14:hiddenFill xmlns:a14="http://schemas.microsoft.com/office/drawing/2010/main">
+                <a:solidFill>
+                  <a:srgbClr val="FFFFFF"/>
+                </a:solidFill>
+              </a14:hiddenFill>
+            </a:ext>
+          </a:extLst>
+        </p:spPr>
+      </p:pic>
+    </p:spTree>
+    <p:extLst>
+      <p:ext uri="{BB962C8B-B14F-4D97-AF65-F5344CB8AC3E}">
+        <p14:creationId xmlns:p14="http://schemas.microsoft.com/office/powerpoint/2010/main" val="1503125605"/>
+      </p:ext>
+    </p:extLst>
+  </p:cSld>
+  <p:clrMapOvr>
+    <a:masterClrMapping/>
+  </p:clrMapOvr>
+  <p:transition>
+    <p:fade/>
+  </p:transition>
+</p:sld>
+</file>
+
+<file path=ppt/slides/slide31.xml><?xml version="1.0" encoding="utf-8"?>
+<p:sld xmlns:a="http://schemas.openxmlformats.org/drawingml/2006/main" xmlns:r="http://schemas.openxmlformats.org/officeDocument/2006/relationships" xmlns:p="http://schemas.openxmlformats.org/presentationml/2006/main">
+  <p:cSld>
+    <p:spTree>
+      <p:nvGrpSpPr>
+        <p:cNvPr id="1" name=""/>
+        <p:cNvGrpSpPr/>
+        <p:nvPr/>
+      </p:nvGrpSpPr>
+      <p:grpSpPr>
+        <a:xfrm>
+          <a:off x="0" y="0"/>
+          <a:ext cx="0" cy="0"/>
+          <a:chOff x="0" y="0"/>
+          <a:chExt cx="0" cy="0"/>
+        </a:xfrm>
+      </p:grpSpPr>
+      <p:sp>
+        <p:nvSpPr>
+          <p:cNvPr id="2" name="Titel 1">
+            <a:extLst>
+              <a:ext uri="{FF2B5EF4-FFF2-40B4-BE49-F238E27FC236}">
                 <a16:creationId xmlns:a16="http://schemas.microsoft.com/office/drawing/2014/main" id="{A6E5DBD1-F4BE-47D2-BE1F-35E317B2B1E5}"/>
               </a:ext>
             </a:extLst>
@@ -11083,396 +11631,6 @@
 </p:sld>
 </file>
 
-<file path=ppt/slides/slide31.xml><?xml version="1.0" encoding="utf-8"?>
-<p:sld xmlns:a="http://schemas.openxmlformats.org/drawingml/2006/main" xmlns:r="http://schemas.openxmlformats.org/officeDocument/2006/relationships" xmlns:p="http://schemas.openxmlformats.org/presentationml/2006/main">
-  <p:cSld>
-    <p:spTree>
-      <p:nvGrpSpPr>
-        <p:cNvPr id="1" name=""/>
-        <p:cNvGrpSpPr/>
-        <p:nvPr/>
-      </p:nvGrpSpPr>
-      <p:grpSpPr>
-        <a:xfrm>
-          <a:off x="0" y="0"/>
-          <a:ext cx="0" cy="0"/>
-          <a:chOff x="0" y="0"/>
-          <a:chExt cx="0" cy="0"/>
-        </a:xfrm>
-      </p:grpSpPr>
-      <p:sp>
-        <p:nvSpPr>
-          <p:cNvPr id="2" name="Titel 1">
-            <a:extLst>
-              <a:ext uri="{FF2B5EF4-FFF2-40B4-BE49-F238E27FC236}">
-                <a16:creationId xmlns:a16="http://schemas.microsoft.com/office/drawing/2014/main" id="{AF8602B3-218E-49DA-8CFF-C7CE0F8C82BC}"/>
-              </a:ext>
-            </a:extLst>
-          </p:cNvPr>
-          <p:cNvSpPr>
-            <a:spLocks noGrp="1"/>
-          </p:cNvSpPr>
-          <p:nvPr>
-            <p:ph type="title"/>
-          </p:nvPr>
-        </p:nvSpPr>
-        <p:spPr/>
-        <p:txBody>
-          <a:bodyPr/>
-          <a:lstStyle/>
-          <a:p>
-            <a:r>
-              <a:rPr lang="en-GB" dirty="0" err="1">
-                <a:latin typeface="Segoe UI" panose="020B0502040204020203" pitchFamily="34" charset="0"/>
-                <a:cs typeface="Segoe UI" panose="020B0502040204020203" pitchFamily="34" charset="0"/>
-              </a:rPr>
-              <a:t>Installatie</a:t>
-            </a:r>
-            <a:r>
-              <a:rPr lang="en-GB" dirty="0">
-                <a:latin typeface="Segoe UI" panose="020B0502040204020203" pitchFamily="34" charset="0"/>
-                <a:cs typeface="Segoe UI" panose="020B0502040204020203" pitchFamily="34" charset="0"/>
-              </a:rPr>
-              <a:t> &amp; </a:t>
-            </a:r>
-            <a:r>
-              <a:rPr lang="en-GB" dirty="0" err="1">
-                <a:latin typeface="Segoe UI" panose="020B0502040204020203" pitchFamily="34" charset="0"/>
-                <a:cs typeface="Segoe UI" panose="020B0502040204020203" pitchFamily="34" charset="0"/>
-              </a:rPr>
-              <a:t>Verder</a:t>
-            </a:r>
-            <a:r>
-              <a:rPr lang="en-GB" dirty="0">
-                <a:latin typeface="Segoe UI" panose="020B0502040204020203" pitchFamily="34" charset="0"/>
-                <a:cs typeface="Segoe UI" panose="020B0502040204020203" pitchFamily="34" charset="0"/>
-              </a:rPr>
-              <a:t> </a:t>
-            </a:r>
-            <a:r>
-              <a:rPr lang="en-GB" dirty="0" err="1">
-                <a:latin typeface="Segoe UI" panose="020B0502040204020203" pitchFamily="34" charset="0"/>
-                <a:cs typeface="Segoe UI" panose="020B0502040204020203" pitchFamily="34" charset="0"/>
-              </a:rPr>
-              <a:t>Verloop</a:t>
-            </a:r>
-            <a:endParaRPr lang="en-GB" dirty="0">
-              <a:latin typeface="Segoe UI" panose="020B0502040204020203" pitchFamily="34" charset="0"/>
-              <a:cs typeface="Segoe UI" panose="020B0502040204020203" pitchFamily="34" charset="0"/>
-            </a:endParaRPr>
-          </a:p>
-        </p:txBody>
-      </p:sp>
-      <p:sp>
-        <p:nvSpPr>
-          <p:cNvPr id="3" name="Tijdelijke aanduiding voor inhoud 2">
-            <a:extLst>
-              <a:ext uri="{FF2B5EF4-FFF2-40B4-BE49-F238E27FC236}">
-                <a16:creationId xmlns:a16="http://schemas.microsoft.com/office/drawing/2014/main" id="{514F0ABA-EC52-4AAF-9E74-5D85A79C9199}"/>
-              </a:ext>
-            </a:extLst>
-          </p:cNvPr>
-          <p:cNvSpPr>
-            <a:spLocks noGrp="1"/>
-          </p:cNvSpPr>
-          <p:nvPr>
-            <p:ph idx="1"/>
-          </p:nvPr>
-        </p:nvSpPr>
-        <p:spPr/>
-        <p:txBody>
-          <a:bodyPr/>
-          <a:lstStyle/>
-          <a:p>
-            <a:pPr>
-              <a:buFont typeface="Arial" panose="020B0604020202020204" pitchFamily="34" charset="0"/>
-              <a:buChar char="•"/>
-            </a:pPr>
-            <a:r>
-              <a:rPr lang="en-GB" dirty="0">
-                <a:latin typeface="Segoe UI" panose="020B0502040204020203" pitchFamily="34" charset="0"/>
-                <a:cs typeface="Segoe UI" panose="020B0502040204020203" pitchFamily="34" charset="0"/>
-              </a:rPr>
-              <a:t> </a:t>
-            </a:r>
-            <a:r>
-              <a:rPr lang="en-GB" dirty="0" err="1">
-                <a:latin typeface="Segoe UI" panose="020B0502040204020203" pitchFamily="34" charset="0"/>
-                <a:cs typeface="Segoe UI" panose="020B0502040204020203" pitchFamily="34" charset="0"/>
-              </a:rPr>
-              <a:t>Geschatte</a:t>
-            </a:r>
-            <a:r>
-              <a:rPr lang="en-GB" dirty="0">
-                <a:latin typeface="Segoe UI" panose="020B0502040204020203" pitchFamily="34" charset="0"/>
-                <a:cs typeface="Segoe UI" panose="020B0502040204020203" pitchFamily="34" charset="0"/>
-              </a:rPr>
-              <a:t> </a:t>
-            </a:r>
-            <a:r>
-              <a:rPr lang="en-GB" dirty="0" err="1">
-                <a:latin typeface="Segoe UI" panose="020B0502040204020203" pitchFamily="34" charset="0"/>
-                <a:cs typeface="Segoe UI" panose="020B0502040204020203" pitchFamily="34" charset="0"/>
-              </a:rPr>
-              <a:t>installatieduur</a:t>
-            </a:r>
-            <a:r>
-              <a:rPr lang="en-GB" dirty="0">
-                <a:latin typeface="Segoe UI" panose="020B0502040204020203" pitchFamily="34" charset="0"/>
-                <a:cs typeface="Segoe UI" panose="020B0502040204020203" pitchFamily="34" charset="0"/>
-              </a:rPr>
-              <a:t>: 5 </a:t>
-            </a:r>
-            <a:r>
-              <a:rPr lang="en-GB" dirty="0" err="1">
-                <a:latin typeface="Segoe UI" panose="020B0502040204020203" pitchFamily="34" charset="0"/>
-                <a:cs typeface="Segoe UI" panose="020B0502040204020203" pitchFamily="34" charset="0"/>
-              </a:rPr>
-              <a:t>werkdagen</a:t>
-            </a:r>
-            <a:r>
-              <a:rPr lang="en-GB" dirty="0">
-                <a:latin typeface="Segoe UI" panose="020B0502040204020203" pitchFamily="34" charset="0"/>
-                <a:cs typeface="Segoe UI" panose="020B0502040204020203" pitchFamily="34" charset="0"/>
-              </a:rPr>
-              <a:t> (40 </a:t>
-            </a:r>
-            <a:r>
-              <a:rPr lang="en-GB" dirty="0" err="1">
-                <a:latin typeface="Segoe UI" panose="020B0502040204020203" pitchFamily="34" charset="0"/>
-                <a:cs typeface="Segoe UI" panose="020B0502040204020203" pitchFamily="34" charset="0"/>
-              </a:rPr>
-              <a:t>uur</a:t>
-            </a:r>
-            <a:r>
-              <a:rPr lang="en-GB" dirty="0">
-                <a:latin typeface="Segoe UI" panose="020B0502040204020203" pitchFamily="34" charset="0"/>
-                <a:cs typeface="Segoe UI" panose="020B0502040204020203" pitchFamily="34" charset="0"/>
-              </a:rPr>
-              <a:t>)</a:t>
-            </a:r>
-          </a:p>
-          <a:p>
-            <a:pPr>
-              <a:buFont typeface="Arial" panose="020B0604020202020204" pitchFamily="34" charset="0"/>
-              <a:buChar char="•"/>
-            </a:pPr>
-            <a:r>
-              <a:rPr lang="en-GB" dirty="0">
-                <a:latin typeface="Segoe UI" panose="020B0502040204020203" pitchFamily="34" charset="0"/>
-                <a:cs typeface="Segoe UI" panose="020B0502040204020203" pitchFamily="34" charset="0"/>
-              </a:rPr>
-              <a:t> </a:t>
-            </a:r>
-            <a:r>
-              <a:rPr lang="en-GB" dirty="0" err="1">
-                <a:latin typeface="Segoe UI" panose="020B0502040204020203" pitchFamily="34" charset="0"/>
-                <a:cs typeface="Segoe UI" panose="020B0502040204020203" pitchFamily="34" charset="0"/>
-              </a:rPr>
-              <a:t>Opleiding</a:t>
-            </a:r>
-            <a:r>
-              <a:rPr lang="en-GB" dirty="0">
-                <a:latin typeface="Segoe UI" panose="020B0502040204020203" pitchFamily="34" charset="0"/>
-                <a:cs typeface="Segoe UI" panose="020B0502040204020203" pitchFamily="34" charset="0"/>
-              </a:rPr>
-              <a:t>: 2 </a:t>
-            </a:r>
-            <a:r>
-              <a:rPr lang="en-GB" dirty="0" err="1">
-                <a:latin typeface="Segoe UI" panose="020B0502040204020203" pitchFamily="34" charset="0"/>
-                <a:cs typeface="Segoe UI" panose="020B0502040204020203" pitchFamily="34" charset="0"/>
-              </a:rPr>
-              <a:t>dagen</a:t>
-            </a:r>
-            <a:r>
-              <a:rPr lang="en-GB" dirty="0">
-                <a:latin typeface="Segoe UI" panose="020B0502040204020203" pitchFamily="34" charset="0"/>
-                <a:cs typeface="Segoe UI" panose="020B0502040204020203" pitchFamily="34" charset="0"/>
-              </a:rPr>
-              <a:t> (16 </a:t>
-            </a:r>
-            <a:r>
-              <a:rPr lang="en-GB" dirty="0" err="1">
-                <a:latin typeface="Segoe UI" panose="020B0502040204020203" pitchFamily="34" charset="0"/>
-                <a:cs typeface="Segoe UI" panose="020B0502040204020203" pitchFamily="34" charset="0"/>
-              </a:rPr>
-              <a:t>uur</a:t>
-            </a:r>
-            <a:r>
-              <a:rPr lang="en-GB" dirty="0">
-                <a:latin typeface="Segoe UI" panose="020B0502040204020203" pitchFamily="34" charset="0"/>
-                <a:cs typeface="Segoe UI" panose="020B0502040204020203" pitchFamily="34" charset="0"/>
-              </a:rPr>
-              <a:t>)</a:t>
-            </a:r>
-          </a:p>
-          <a:p>
-            <a:pPr>
-              <a:buFont typeface="Arial" panose="020B0604020202020204" pitchFamily="34" charset="0"/>
-              <a:buChar char="•"/>
-            </a:pPr>
-            <a:r>
-              <a:rPr lang="en-GB" dirty="0">
-                <a:latin typeface="Segoe UI" panose="020B0502040204020203" pitchFamily="34" charset="0"/>
-                <a:cs typeface="Segoe UI" panose="020B0502040204020203" pitchFamily="34" charset="0"/>
-              </a:rPr>
-              <a:t> </a:t>
-            </a:r>
-            <a:r>
-              <a:rPr lang="en-GB" dirty="0" err="1">
-                <a:latin typeface="Segoe UI" panose="020B0502040204020203" pitchFamily="34" charset="0"/>
-                <a:cs typeface="Segoe UI" panose="020B0502040204020203" pitchFamily="34" charset="0"/>
-              </a:rPr>
-              <a:t>Garantie</a:t>
-            </a:r>
-            <a:r>
-              <a:rPr lang="en-GB" dirty="0">
-                <a:latin typeface="Segoe UI" panose="020B0502040204020203" pitchFamily="34" charset="0"/>
-                <a:cs typeface="Segoe UI" panose="020B0502040204020203" pitchFamily="34" charset="0"/>
-              </a:rPr>
-              <a:t> op </a:t>
-            </a:r>
-            <a:r>
-              <a:rPr lang="en-GB" dirty="0" err="1">
-                <a:latin typeface="Segoe UI" panose="020B0502040204020203" pitchFamily="34" charset="0"/>
-                <a:cs typeface="Segoe UI" panose="020B0502040204020203" pitchFamily="34" charset="0"/>
-              </a:rPr>
-              <a:t>installatie</a:t>
-            </a:r>
-            <a:r>
-              <a:rPr lang="en-GB" dirty="0">
-                <a:latin typeface="Segoe UI" panose="020B0502040204020203" pitchFamily="34" charset="0"/>
-                <a:cs typeface="Segoe UI" panose="020B0502040204020203" pitchFamily="34" charset="0"/>
-              </a:rPr>
-              <a:t> </a:t>
-            </a:r>
-            <a:r>
-              <a:rPr lang="en-GB" dirty="0" err="1">
-                <a:latin typeface="Segoe UI" panose="020B0502040204020203" pitchFamily="34" charset="0"/>
-                <a:cs typeface="Segoe UI" panose="020B0502040204020203" pitchFamily="34" charset="0"/>
-              </a:rPr>
-              <a:t>en</a:t>
-            </a:r>
-            <a:r>
-              <a:rPr lang="en-GB" dirty="0">
-                <a:latin typeface="Segoe UI" panose="020B0502040204020203" pitchFamily="34" charset="0"/>
-                <a:cs typeface="Segoe UI" panose="020B0502040204020203" pitchFamily="34" charset="0"/>
-              </a:rPr>
-              <a:t> </a:t>
-            </a:r>
-            <a:r>
-              <a:rPr lang="en-GB" dirty="0" err="1">
-                <a:latin typeface="Segoe UI" panose="020B0502040204020203" pitchFamily="34" charset="0"/>
-                <a:cs typeface="Segoe UI" panose="020B0502040204020203" pitchFamily="34" charset="0"/>
-              </a:rPr>
-              <a:t>apparatuur</a:t>
-            </a:r>
-            <a:r>
-              <a:rPr lang="en-GB" dirty="0">
-                <a:latin typeface="Segoe UI" panose="020B0502040204020203" pitchFamily="34" charset="0"/>
-                <a:cs typeface="Segoe UI" panose="020B0502040204020203" pitchFamily="34" charset="0"/>
-              </a:rPr>
-              <a:t>: 2 </a:t>
-            </a:r>
-            <a:r>
-              <a:rPr lang="en-GB" dirty="0" err="1">
-                <a:latin typeface="Segoe UI" panose="020B0502040204020203" pitchFamily="34" charset="0"/>
-                <a:cs typeface="Segoe UI" panose="020B0502040204020203" pitchFamily="34" charset="0"/>
-              </a:rPr>
-              <a:t>jaar</a:t>
-            </a:r>
-            <a:endParaRPr lang="en-GB" dirty="0">
-              <a:latin typeface="Segoe UI" panose="020B0502040204020203" pitchFamily="34" charset="0"/>
-              <a:cs typeface="Segoe UI" panose="020B0502040204020203" pitchFamily="34" charset="0"/>
-            </a:endParaRPr>
-          </a:p>
-          <a:p>
-            <a:pPr>
-              <a:buFont typeface="Arial" panose="020B0604020202020204" pitchFamily="34" charset="0"/>
-              <a:buChar char="•"/>
-            </a:pPr>
-            <a:r>
-              <a:rPr lang="en-GB" dirty="0">
-                <a:latin typeface="Segoe UI" panose="020B0502040204020203" pitchFamily="34" charset="0"/>
-                <a:cs typeface="Segoe UI" panose="020B0502040204020203" pitchFamily="34" charset="0"/>
-              </a:rPr>
-              <a:t> </a:t>
-            </a:r>
-            <a:r>
-              <a:rPr lang="en-GB" dirty="0" err="1">
-                <a:latin typeface="Segoe UI" panose="020B0502040204020203" pitchFamily="34" charset="0"/>
-                <a:cs typeface="Segoe UI" panose="020B0502040204020203" pitchFamily="34" charset="0"/>
-              </a:rPr>
-              <a:t>Optioneel</a:t>
-            </a:r>
-            <a:r>
-              <a:rPr lang="en-GB" dirty="0">
-                <a:latin typeface="Segoe UI" panose="020B0502040204020203" pitchFamily="34" charset="0"/>
-                <a:cs typeface="Segoe UI" panose="020B0502040204020203" pitchFamily="34" charset="0"/>
-              </a:rPr>
-              <a:t> </a:t>
-            </a:r>
-            <a:r>
-              <a:rPr lang="en-GB" dirty="0" err="1">
-                <a:latin typeface="Segoe UI" panose="020B0502040204020203" pitchFamily="34" charset="0"/>
-                <a:cs typeface="Segoe UI" panose="020B0502040204020203" pitchFamily="34" charset="0"/>
-              </a:rPr>
-              <a:t>onderhoudscontract</a:t>
-            </a:r>
-            <a:endParaRPr lang="en-GB" dirty="0">
-              <a:latin typeface="Segoe UI" panose="020B0502040204020203" pitchFamily="34" charset="0"/>
-              <a:cs typeface="Segoe UI" panose="020B0502040204020203" pitchFamily="34" charset="0"/>
-            </a:endParaRPr>
-          </a:p>
-          <a:p>
-            <a:pPr lvl="1">
-              <a:buFont typeface="Arial" panose="020B0604020202020204" pitchFamily="34" charset="0"/>
-              <a:buChar char="•"/>
-            </a:pPr>
-            <a:r>
-              <a:rPr lang="en-GB" dirty="0">
-                <a:latin typeface="Segoe UI" panose="020B0502040204020203" pitchFamily="34" charset="0"/>
-                <a:cs typeface="Segoe UI" panose="020B0502040204020203" pitchFamily="34" charset="0"/>
-              </a:rPr>
-              <a:t>24/7 Helpdesk</a:t>
-            </a:r>
-          </a:p>
-          <a:p>
-            <a:pPr lvl="1">
-              <a:buFont typeface="Arial" panose="020B0604020202020204" pitchFamily="34" charset="0"/>
-              <a:buChar char="•"/>
-            </a:pPr>
-            <a:r>
-              <a:rPr lang="en-GB" dirty="0" err="1">
-                <a:latin typeface="Segoe UI" panose="020B0502040204020203" pitchFamily="34" charset="0"/>
-                <a:cs typeface="Segoe UI" panose="020B0502040204020203" pitchFamily="34" charset="0"/>
-              </a:rPr>
-              <a:t>Interventies</a:t>
-            </a:r>
-            <a:endParaRPr lang="en-GB" dirty="0">
-              <a:latin typeface="Segoe UI" panose="020B0502040204020203" pitchFamily="34" charset="0"/>
-              <a:cs typeface="Segoe UI" panose="020B0502040204020203" pitchFamily="34" charset="0"/>
-            </a:endParaRPr>
-          </a:p>
-        </p:txBody>
-      </p:sp>
-    </p:spTree>
-    <p:extLst>
-      <p:ext uri="{BB962C8B-B14F-4D97-AF65-F5344CB8AC3E}">
-        <p14:creationId xmlns:p14="http://schemas.microsoft.com/office/powerpoint/2010/main" val="1669128925"/>
-      </p:ext>
-    </p:extLst>
-  </p:cSld>
-  <p:clrMapOvr>
-    <a:masterClrMapping/>
-  </p:clrMapOvr>
-  <p:transition>
-    <p:fade/>
-  </p:transition>
-</p:sld>
-</file>
-
 <file path=ppt/slides/slide32.xml><?xml version="1.0" encoding="utf-8"?>
 <p:sld xmlns:a="http://schemas.openxmlformats.org/drawingml/2006/main" xmlns:r="http://schemas.openxmlformats.org/officeDocument/2006/relationships" xmlns:p="http://schemas.openxmlformats.org/presentationml/2006/main">
   <p:cSld>
@@ -11495,6 +11653,396 @@
           <p:cNvPr id="2" name="Titel 1">
             <a:extLst>
               <a:ext uri="{FF2B5EF4-FFF2-40B4-BE49-F238E27FC236}">
+                <a16:creationId xmlns:a16="http://schemas.microsoft.com/office/drawing/2014/main" id="{AF8602B3-218E-49DA-8CFF-C7CE0F8C82BC}"/>
+              </a:ext>
+            </a:extLst>
+          </p:cNvPr>
+          <p:cNvSpPr>
+            <a:spLocks noGrp="1"/>
+          </p:cNvSpPr>
+          <p:nvPr>
+            <p:ph type="title"/>
+          </p:nvPr>
+        </p:nvSpPr>
+        <p:spPr/>
+        <p:txBody>
+          <a:bodyPr/>
+          <a:lstStyle/>
+          <a:p>
+            <a:r>
+              <a:rPr lang="en-GB" dirty="0" err="1">
+                <a:latin typeface="Segoe UI" panose="020B0502040204020203" pitchFamily="34" charset="0"/>
+                <a:cs typeface="Segoe UI" panose="020B0502040204020203" pitchFamily="34" charset="0"/>
+              </a:rPr>
+              <a:t>Installatie</a:t>
+            </a:r>
+            <a:r>
+              <a:rPr lang="en-GB" dirty="0">
+                <a:latin typeface="Segoe UI" panose="020B0502040204020203" pitchFamily="34" charset="0"/>
+                <a:cs typeface="Segoe UI" panose="020B0502040204020203" pitchFamily="34" charset="0"/>
+              </a:rPr>
+              <a:t> &amp; </a:t>
+            </a:r>
+            <a:r>
+              <a:rPr lang="en-GB" dirty="0" err="1">
+                <a:latin typeface="Segoe UI" panose="020B0502040204020203" pitchFamily="34" charset="0"/>
+                <a:cs typeface="Segoe UI" panose="020B0502040204020203" pitchFamily="34" charset="0"/>
+              </a:rPr>
+              <a:t>Verder</a:t>
+            </a:r>
+            <a:r>
+              <a:rPr lang="en-GB" dirty="0">
+                <a:latin typeface="Segoe UI" panose="020B0502040204020203" pitchFamily="34" charset="0"/>
+                <a:cs typeface="Segoe UI" panose="020B0502040204020203" pitchFamily="34" charset="0"/>
+              </a:rPr>
+              <a:t> </a:t>
+            </a:r>
+            <a:r>
+              <a:rPr lang="en-GB" dirty="0" err="1">
+                <a:latin typeface="Segoe UI" panose="020B0502040204020203" pitchFamily="34" charset="0"/>
+                <a:cs typeface="Segoe UI" panose="020B0502040204020203" pitchFamily="34" charset="0"/>
+              </a:rPr>
+              <a:t>Verloop</a:t>
+            </a:r>
+            <a:endParaRPr lang="en-GB" dirty="0">
+              <a:latin typeface="Segoe UI" panose="020B0502040204020203" pitchFamily="34" charset="0"/>
+              <a:cs typeface="Segoe UI" panose="020B0502040204020203" pitchFamily="34" charset="0"/>
+            </a:endParaRPr>
+          </a:p>
+        </p:txBody>
+      </p:sp>
+      <p:sp>
+        <p:nvSpPr>
+          <p:cNvPr id="3" name="Tijdelijke aanduiding voor inhoud 2">
+            <a:extLst>
+              <a:ext uri="{FF2B5EF4-FFF2-40B4-BE49-F238E27FC236}">
+                <a16:creationId xmlns:a16="http://schemas.microsoft.com/office/drawing/2014/main" id="{514F0ABA-EC52-4AAF-9E74-5D85A79C9199}"/>
+              </a:ext>
+            </a:extLst>
+          </p:cNvPr>
+          <p:cNvSpPr>
+            <a:spLocks noGrp="1"/>
+          </p:cNvSpPr>
+          <p:nvPr>
+            <p:ph idx="1"/>
+          </p:nvPr>
+        </p:nvSpPr>
+        <p:spPr/>
+        <p:txBody>
+          <a:bodyPr/>
+          <a:lstStyle/>
+          <a:p>
+            <a:pPr>
+              <a:buFont typeface="Arial" panose="020B0604020202020204" pitchFamily="34" charset="0"/>
+              <a:buChar char="•"/>
+            </a:pPr>
+            <a:r>
+              <a:rPr lang="en-GB" dirty="0">
+                <a:latin typeface="Segoe UI" panose="020B0502040204020203" pitchFamily="34" charset="0"/>
+                <a:cs typeface="Segoe UI" panose="020B0502040204020203" pitchFamily="34" charset="0"/>
+              </a:rPr>
+              <a:t> </a:t>
+            </a:r>
+            <a:r>
+              <a:rPr lang="en-GB" dirty="0" err="1">
+                <a:latin typeface="Segoe UI" panose="020B0502040204020203" pitchFamily="34" charset="0"/>
+                <a:cs typeface="Segoe UI" panose="020B0502040204020203" pitchFamily="34" charset="0"/>
+              </a:rPr>
+              <a:t>Geschatte</a:t>
+            </a:r>
+            <a:r>
+              <a:rPr lang="en-GB" dirty="0">
+                <a:latin typeface="Segoe UI" panose="020B0502040204020203" pitchFamily="34" charset="0"/>
+                <a:cs typeface="Segoe UI" panose="020B0502040204020203" pitchFamily="34" charset="0"/>
+              </a:rPr>
+              <a:t> </a:t>
+            </a:r>
+            <a:r>
+              <a:rPr lang="en-GB" dirty="0" err="1">
+                <a:latin typeface="Segoe UI" panose="020B0502040204020203" pitchFamily="34" charset="0"/>
+                <a:cs typeface="Segoe UI" panose="020B0502040204020203" pitchFamily="34" charset="0"/>
+              </a:rPr>
+              <a:t>installatieduur</a:t>
+            </a:r>
+            <a:r>
+              <a:rPr lang="en-GB" dirty="0">
+                <a:latin typeface="Segoe UI" panose="020B0502040204020203" pitchFamily="34" charset="0"/>
+                <a:cs typeface="Segoe UI" panose="020B0502040204020203" pitchFamily="34" charset="0"/>
+              </a:rPr>
+              <a:t>: 5 </a:t>
+            </a:r>
+            <a:r>
+              <a:rPr lang="en-GB" dirty="0" err="1">
+                <a:latin typeface="Segoe UI" panose="020B0502040204020203" pitchFamily="34" charset="0"/>
+                <a:cs typeface="Segoe UI" panose="020B0502040204020203" pitchFamily="34" charset="0"/>
+              </a:rPr>
+              <a:t>werkdagen</a:t>
+            </a:r>
+            <a:r>
+              <a:rPr lang="en-GB" dirty="0">
+                <a:latin typeface="Segoe UI" panose="020B0502040204020203" pitchFamily="34" charset="0"/>
+                <a:cs typeface="Segoe UI" panose="020B0502040204020203" pitchFamily="34" charset="0"/>
+              </a:rPr>
+              <a:t> (40 </a:t>
+            </a:r>
+            <a:r>
+              <a:rPr lang="en-GB" dirty="0" err="1">
+                <a:latin typeface="Segoe UI" panose="020B0502040204020203" pitchFamily="34" charset="0"/>
+                <a:cs typeface="Segoe UI" panose="020B0502040204020203" pitchFamily="34" charset="0"/>
+              </a:rPr>
+              <a:t>uur</a:t>
+            </a:r>
+            <a:r>
+              <a:rPr lang="en-GB" dirty="0">
+                <a:latin typeface="Segoe UI" panose="020B0502040204020203" pitchFamily="34" charset="0"/>
+                <a:cs typeface="Segoe UI" panose="020B0502040204020203" pitchFamily="34" charset="0"/>
+              </a:rPr>
+              <a:t>)</a:t>
+            </a:r>
+          </a:p>
+          <a:p>
+            <a:pPr>
+              <a:buFont typeface="Arial" panose="020B0604020202020204" pitchFamily="34" charset="0"/>
+              <a:buChar char="•"/>
+            </a:pPr>
+            <a:r>
+              <a:rPr lang="en-GB" dirty="0">
+                <a:latin typeface="Segoe UI" panose="020B0502040204020203" pitchFamily="34" charset="0"/>
+                <a:cs typeface="Segoe UI" panose="020B0502040204020203" pitchFamily="34" charset="0"/>
+              </a:rPr>
+              <a:t> </a:t>
+            </a:r>
+            <a:r>
+              <a:rPr lang="en-GB" dirty="0" err="1">
+                <a:latin typeface="Segoe UI" panose="020B0502040204020203" pitchFamily="34" charset="0"/>
+                <a:cs typeface="Segoe UI" panose="020B0502040204020203" pitchFamily="34" charset="0"/>
+              </a:rPr>
+              <a:t>Opleiding</a:t>
+            </a:r>
+            <a:r>
+              <a:rPr lang="en-GB" dirty="0">
+                <a:latin typeface="Segoe UI" panose="020B0502040204020203" pitchFamily="34" charset="0"/>
+                <a:cs typeface="Segoe UI" panose="020B0502040204020203" pitchFamily="34" charset="0"/>
+              </a:rPr>
+              <a:t>: 2 </a:t>
+            </a:r>
+            <a:r>
+              <a:rPr lang="en-GB" dirty="0" err="1">
+                <a:latin typeface="Segoe UI" panose="020B0502040204020203" pitchFamily="34" charset="0"/>
+                <a:cs typeface="Segoe UI" panose="020B0502040204020203" pitchFamily="34" charset="0"/>
+              </a:rPr>
+              <a:t>dagen</a:t>
+            </a:r>
+            <a:r>
+              <a:rPr lang="en-GB" dirty="0">
+                <a:latin typeface="Segoe UI" panose="020B0502040204020203" pitchFamily="34" charset="0"/>
+                <a:cs typeface="Segoe UI" panose="020B0502040204020203" pitchFamily="34" charset="0"/>
+              </a:rPr>
+              <a:t> (16 </a:t>
+            </a:r>
+            <a:r>
+              <a:rPr lang="en-GB" dirty="0" err="1">
+                <a:latin typeface="Segoe UI" panose="020B0502040204020203" pitchFamily="34" charset="0"/>
+                <a:cs typeface="Segoe UI" panose="020B0502040204020203" pitchFamily="34" charset="0"/>
+              </a:rPr>
+              <a:t>uur</a:t>
+            </a:r>
+            <a:r>
+              <a:rPr lang="en-GB" dirty="0">
+                <a:latin typeface="Segoe UI" panose="020B0502040204020203" pitchFamily="34" charset="0"/>
+                <a:cs typeface="Segoe UI" panose="020B0502040204020203" pitchFamily="34" charset="0"/>
+              </a:rPr>
+              <a:t>)</a:t>
+            </a:r>
+          </a:p>
+          <a:p>
+            <a:pPr>
+              <a:buFont typeface="Arial" panose="020B0604020202020204" pitchFamily="34" charset="0"/>
+              <a:buChar char="•"/>
+            </a:pPr>
+            <a:r>
+              <a:rPr lang="en-GB" dirty="0">
+                <a:latin typeface="Segoe UI" panose="020B0502040204020203" pitchFamily="34" charset="0"/>
+                <a:cs typeface="Segoe UI" panose="020B0502040204020203" pitchFamily="34" charset="0"/>
+              </a:rPr>
+              <a:t> </a:t>
+            </a:r>
+            <a:r>
+              <a:rPr lang="en-GB" dirty="0" err="1">
+                <a:latin typeface="Segoe UI" panose="020B0502040204020203" pitchFamily="34" charset="0"/>
+                <a:cs typeface="Segoe UI" panose="020B0502040204020203" pitchFamily="34" charset="0"/>
+              </a:rPr>
+              <a:t>Garantie</a:t>
+            </a:r>
+            <a:r>
+              <a:rPr lang="en-GB" dirty="0">
+                <a:latin typeface="Segoe UI" panose="020B0502040204020203" pitchFamily="34" charset="0"/>
+                <a:cs typeface="Segoe UI" panose="020B0502040204020203" pitchFamily="34" charset="0"/>
+              </a:rPr>
+              <a:t> op </a:t>
+            </a:r>
+            <a:r>
+              <a:rPr lang="en-GB" dirty="0" err="1">
+                <a:latin typeface="Segoe UI" panose="020B0502040204020203" pitchFamily="34" charset="0"/>
+                <a:cs typeface="Segoe UI" panose="020B0502040204020203" pitchFamily="34" charset="0"/>
+              </a:rPr>
+              <a:t>installatie</a:t>
+            </a:r>
+            <a:r>
+              <a:rPr lang="en-GB" dirty="0">
+                <a:latin typeface="Segoe UI" panose="020B0502040204020203" pitchFamily="34" charset="0"/>
+                <a:cs typeface="Segoe UI" panose="020B0502040204020203" pitchFamily="34" charset="0"/>
+              </a:rPr>
+              <a:t> </a:t>
+            </a:r>
+            <a:r>
+              <a:rPr lang="en-GB" dirty="0" err="1">
+                <a:latin typeface="Segoe UI" panose="020B0502040204020203" pitchFamily="34" charset="0"/>
+                <a:cs typeface="Segoe UI" panose="020B0502040204020203" pitchFamily="34" charset="0"/>
+              </a:rPr>
+              <a:t>en</a:t>
+            </a:r>
+            <a:r>
+              <a:rPr lang="en-GB" dirty="0">
+                <a:latin typeface="Segoe UI" panose="020B0502040204020203" pitchFamily="34" charset="0"/>
+                <a:cs typeface="Segoe UI" panose="020B0502040204020203" pitchFamily="34" charset="0"/>
+              </a:rPr>
+              <a:t> </a:t>
+            </a:r>
+            <a:r>
+              <a:rPr lang="en-GB" dirty="0" err="1">
+                <a:latin typeface="Segoe UI" panose="020B0502040204020203" pitchFamily="34" charset="0"/>
+                <a:cs typeface="Segoe UI" panose="020B0502040204020203" pitchFamily="34" charset="0"/>
+              </a:rPr>
+              <a:t>apparatuur</a:t>
+            </a:r>
+            <a:r>
+              <a:rPr lang="en-GB" dirty="0">
+                <a:latin typeface="Segoe UI" panose="020B0502040204020203" pitchFamily="34" charset="0"/>
+                <a:cs typeface="Segoe UI" panose="020B0502040204020203" pitchFamily="34" charset="0"/>
+              </a:rPr>
+              <a:t>: 2 </a:t>
+            </a:r>
+            <a:r>
+              <a:rPr lang="en-GB" dirty="0" err="1">
+                <a:latin typeface="Segoe UI" panose="020B0502040204020203" pitchFamily="34" charset="0"/>
+                <a:cs typeface="Segoe UI" panose="020B0502040204020203" pitchFamily="34" charset="0"/>
+              </a:rPr>
+              <a:t>jaar</a:t>
+            </a:r>
+            <a:endParaRPr lang="en-GB" dirty="0">
+              <a:latin typeface="Segoe UI" panose="020B0502040204020203" pitchFamily="34" charset="0"/>
+              <a:cs typeface="Segoe UI" panose="020B0502040204020203" pitchFamily="34" charset="0"/>
+            </a:endParaRPr>
+          </a:p>
+          <a:p>
+            <a:pPr>
+              <a:buFont typeface="Arial" panose="020B0604020202020204" pitchFamily="34" charset="0"/>
+              <a:buChar char="•"/>
+            </a:pPr>
+            <a:r>
+              <a:rPr lang="en-GB" dirty="0">
+                <a:latin typeface="Segoe UI" panose="020B0502040204020203" pitchFamily="34" charset="0"/>
+                <a:cs typeface="Segoe UI" panose="020B0502040204020203" pitchFamily="34" charset="0"/>
+              </a:rPr>
+              <a:t> </a:t>
+            </a:r>
+            <a:r>
+              <a:rPr lang="en-GB" dirty="0" err="1">
+                <a:latin typeface="Segoe UI" panose="020B0502040204020203" pitchFamily="34" charset="0"/>
+                <a:cs typeface="Segoe UI" panose="020B0502040204020203" pitchFamily="34" charset="0"/>
+              </a:rPr>
+              <a:t>Optioneel</a:t>
+            </a:r>
+            <a:r>
+              <a:rPr lang="en-GB" dirty="0">
+                <a:latin typeface="Segoe UI" panose="020B0502040204020203" pitchFamily="34" charset="0"/>
+                <a:cs typeface="Segoe UI" panose="020B0502040204020203" pitchFamily="34" charset="0"/>
+              </a:rPr>
+              <a:t> </a:t>
+            </a:r>
+            <a:r>
+              <a:rPr lang="en-GB" dirty="0" err="1">
+                <a:latin typeface="Segoe UI" panose="020B0502040204020203" pitchFamily="34" charset="0"/>
+                <a:cs typeface="Segoe UI" panose="020B0502040204020203" pitchFamily="34" charset="0"/>
+              </a:rPr>
+              <a:t>onderhoudscontract</a:t>
+            </a:r>
+            <a:endParaRPr lang="en-GB" dirty="0">
+              <a:latin typeface="Segoe UI" panose="020B0502040204020203" pitchFamily="34" charset="0"/>
+              <a:cs typeface="Segoe UI" panose="020B0502040204020203" pitchFamily="34" charset="0"/>
+            </a:endParaRPr>
+          </a:p>
+          <a:p>
+            <a:pPr lvl="1">
+              <a:buFont typeface="Arial" panose="020B0604020202020204" pitchFamily="34" charset="0"/>
+              <a:buChar char="•"/>
+            </a:pPr>
+            <a:r>
+              <a:rPr lang="en-GB" dirty="0">
+                <a:latin typeface="Segoe UI" panose="020B0502040204020203" pitchFamily="34" charset="0"/>
+                <a:cs typeface="Segoe UI" panose="020B0502040204020203" pitchFamily="34" charset="0"/>
+              </a:rPr>
+              <a:t>24/7 Helpdesk</a:t>
+            </a:r>
+          </a:p>
+          <a:p>
+            <a:pPr lvl="1">
+              <a:buFont typeface="Arial" panose="020B0604020202020204" pitchFamily="34" charset="0"/>
+              <a:buChar char="•"/>
+            </a:pPr>
+            <a:r>
+              <a:rPr lang="en-GB" dirty="0" err="1">
+                <a:latin typeface="Segoe UI" panose="020B0502040204020203" pitchFamily="34" charset="0"/>
+                <a:cs typeface="Segoe UI" panose="020B0502040204020203" pitchFamily="34" charset="0"/>
+              </a:rPr>
+              <a:t>Interventies</a:t>
+            </a:r>
+            <a:endParaRPr lang="en-GB" dirty="0">
+              <a:latin typeface="Segoe UI" panose="020B0502040204020203" pitchFamily="34" charset="0"/>
+              <a:cs typeface="Segoe UI" panose="020B0502040204020203" pitchFamily="34" charset="0"/>
+            </a:endParaRPr>
+          </a:p>
+        </p:txBody>
+      </p:sp>
+    </p:spTree>
+    <p:extLst>
+      <p:ext uri="{BB962C8B-B14F-4D97-AF65-F5344CB8AC3E}">
+        <p14:creationId xmlns:p14="http://schemas.microsoft.com/office/powerpoint/2010/main" val="1669128925"/>
+      </p:ext>
+    </p:extLst>
+  </p:cSld>
+  <p:clrMapOvr>
+    <a:masterClrMapping/>
+  </p:clrMapOvr>
+  <p:transition>
+    <p:fade/>
+  </p:transition>
+</p:sld>
+</file>
+
+<file path=ppt/slides/slide33.xml><?xml version="1.0" encoding="utf-8"?>
+<p:sld xmlns:a="http://schemas.openxmlformats.org/drawingml/2006/main" xmlns:r="http://schemas.openxmlformats.org/officeDocument/2006/relationships" xmlns:p="http://schemas.openxmlformats.org/presentationml/2006/main">
+  <p:cSld>
+    <p:spTree>
+      <p:nvGrpSpPr>
+        <p:cNvPr id="1" name=""/>
+        <p:cNvGrpSpPr/>
+        <p:nvPr/>
+      </p:nvGrpSpPr>
+      <p:grpSpPr>
+        <a:xfrm>
+          <a:off x="0" y="0"/>
+          <a:ext cx="0" cy="0"/>
+          <a:chOff x="0" y="0"/>
+          <a:chExt cx="0" cy="0"/>
+        </a:xfrm>
+      </p:grpSpPr>
+      <p:sp>
+        <p:nvSpPr>
+          <p:cNvPr id="2" name="Titel 1">
+            <a:extLst>
+              <a:ext uri="{FF2B5EF4-FFF2-40B4-BE49-F238E27FC236}">
                 <a16:creationId xmlns:a16="http://schemas.microsoft.com/office/drawing/2014/main" id="{B9150B5B-D4AB-4360-8885-408FB39752A3}"/>
               </a:ext>
             </a:extLst>
@@ -11596,7 +12144,7 @@
 </p:sld>
 </file>
 
-<file path=ppt/slides/slide33.xml><?xml version="1.0" encoding="utf-8"?>
+<file path=ppt/slides/slide34.xml><?xml version="1.0" encoding="utf-8"?>
 <p:sld xmlns:a="http://schemas.openxmlformats.org/drawingml/2006/main" xmlns:r="http://schemas.openxmlformats.org/officeDocument/2006/relationships" xmlns:p="http://schemas.openxmlformats.org/presentationml/2006/main">
   <p:cSld>
     <p:bg>

--- a/opdracht03/G40/Voorstelling G40.pptx
+++ b/opdracht03/G40/Voorstelling G40.pptx
@@ -230,7 +230,7 @@
           <a:p>
             <a:fld id="{8795BD13-A9C0-4833-9A37-05C32DB0F83C}" type="datetimeFigureOut">
               <a:rPr lang="en-GB" smtClean="0"/>
-              <a:t>05/05/2019</a:t>
+              <a:t>06/05/2019</a:t>
             </a:fld>
             <a:endParaRPr lang="en-GB"/>
           </a:p>
@@ -724,7 +724,7 @@
           <a:p>
             <a:fld id="{76FCA46D-55D7-4D00-B507-F3F903E4163B}" type="datetimeFigureOut">
               <a:rPr lang="en-GB" smtClean="0"/>
-              <a:t>05/05/2019</a:t>
+              <a:t>06/05/2019</a:t>
             </a:fld>
             <a:endParaRPr lang="en-GB"/>
           </a:p>
@@ -935,7 +935,7 @@
           <a:p>
             <a:fld id="{76FCA46D-55D7-4D00-B507-F3F903E4163B}" type="datetimeFigureOut">
               <a:rPr lang="en-GB" smtClean="0"/>
-              <a:t>05/05/2019</a:t>
+              <a:t>06/05/2019</a:t>
             </a:fld>
             <a:endParaRPr lang="en-GB"/>
           </a:p>
@@ -1194,7 +1194,7 @@
           <a:p>
             <a:fld id="{76FCA46D-55D7-4D00-B507-F3F903E4163B}" type="datetimeFigureOut">
               <a:rPr lang="en-GB" smtClean="0"/>
-              <a:t>05/05/2019</a:t>
+              <a:t>06/05/2019</a:t>
             </a:fld>
             <a:endParaRPr lang="en-GB"/>
           </a:p>
@@ -1367,7 +1367,7 @@
           <a:p>
             <a:fld id="{76FCA46D-55D7-4D00-B507-F3F903E4163B}" type="datetimeFigureOut">
               <a:rPr lang="en-GB" smtClean="0"/>
-              <a:t>05/05/2019</a:t>
+              <a:t>06/05/2019</a:t>
             </a:fld>
             <a:endParaRPr lang="en-GB"/>
           </a:p>
@@ -1713,7 +1713,7 @@
           <a:p>
             <a:fld id="{76FCA46D-55D7-4D00-B507-F3F903E4163B}" type="datetimeFigureOut">
               <a:rPr lang="en-GB" smtClean="0"/>
-              <a:t>05/05/2019</a:t>
+              <a:t>06/05/2019</a:t>
             </a:fld>
             <a:endParaRPr lang="en-GB"/>
           </a:p>
@@ -1991,7 +1991,7 @@
           <a:p>
             <a:fld id="{76FCA46D-55D7-4D00-B507-F3F903E4163B}" type="datetimeFigureOut">
               <a:rPr lang="en-GB" smtClean="0"/>
-              <a:t>05/05/2019</a:t>
+              <a:t>06/05/2019</a:t>
             </a:fld>
             <a:endParaRPr lang="en-GB"/>
           </a:p>
@@ -2373,7 +2373,7 @@
           <a:p>
             <a:fld id="{76FCA46D-55D7-4D00-B507-F3F903E4163B}" type="datetimeFigureOut">
               <a:rPr lang="en-GB" smtClean="0"/>
-              <a:t>05/05/2019</a:t>
+              <a:t>06/05/2019</a:t>
             </a:fld>
             <a:endParaRPr lang="en-GB"/>
           </a:p>
@@ -2494,7 +2494,7 @@
           <a:p>
             <a:fld id="{76FCA46D-55D7-4D00-B507-F3F903E4163B}" type="datetimeFigureOut">
               <a:rPr lang="en-GB" smtClean="0"/>
-              <a:t>05/05/2019</a:t>
+              <a:t>06/05/2019</a:t>
             </a:fld>
             <a:endParaRPr lang="en-GB"/>
           </a:p>
@@ -2668,7 +2668,7 @@
           <a:p>
             <a:fld id="{76FCA46D-55D7-4D00-B507-F3F903E4163B}" type="datetimeFigureOut">
               <a:rPr lang="en-GB" smtClean="0"/>
-              <a:t>05/05/2019</a:t>
+              <a:t>06/05/2019</a:t>
             </a:fld>
             <a:endParaRPr lang="en-GB"/>
           </a:p>
@@ -3025,7 +3025,7 @@
           <a:p>
             <a:fld id="{76FCA46D-55D7-4D00-B507-F3F903E4163B}" type="datetimeFigureOut">
               <a:rPr lang="en-GB" smtClean="0"/>
-              <a:t>05/05/2019</a:t>
+              <a:t>06/05/2019</a:t>
             </a:fld>
             <a:endParaRPr lang="en-GB"/>
           </a:p>
@@ -3405,7 +3405,7 @@
           <a:p>
             <a:fld id="{76FCA46D-55D7-4D00-B507-F3F903E4163B}" type="datetimeFigureOut">
               <a:rPr lang="en-GB" smtClean="0"/>
-              <a:t>05/05/2019</a:t>
+              <a:t>06/05/2019</a:t>
             </a:fld>
             <a:endParaRPr lang="en-GB"/>
           </a:p>
@@ -3695,7 +3695,7 @@
           <a:p>
             <a:fld id="{76FCA46D-55D7-4D00-B507-F3F903E4163B}" type="datetimeFigureOut">
               <a:rPr lang="en-GB" smtClean="0"/>
-              <a:t>05/05/2019</a:t>
+              <a:t>06/05/2019</a:t>
             </a:fld>
             <a:endParaRPr lang="en-GB"/>
           </a:p>
@@ -10541,7 +10541,7 @@
                 <a:latin typeface="Segoe UI" panose="020B0502040204020203" pitchFamily="34" charset="0"/>
                 <a:cs typeface="Segoe UI" panose="020B0502040204020203" pitchFamily="34" charset="0"/>
               </a:rPr>
-              <a:t>: 5</a:t>
+              <a:t>: 3</a:t>
             </a:r>
           </a:p>
         </p:txBody>
@@ -12099,7 +12099,7 @@
                 <a:latin typeface="Segoe UI" panose="020B0502040204020203" pitchFamily="34" charset="0"/>
                 <a:cs typeface="Segoe UI" panose="020B0502040204020203" pitchFamily="34" charset="0"/>
               </a:rPr>
-              <a:t>Totaal zonder BTW		 € 15,875.80 </a:t>
+              <a:t>Totaal zonder BTW		 € 15,447.80 </a:t>
             </a:r>
           </a:p>
           <a:p>
@@ -12108,7 +12108,7 @@
                 <a:latin typeface="Segoe UI" panose="020B0502040204020203" pitchFamily="34" charset="0"/>
                 <a:cs typeface="Segoe UI" panose="020B0502040204020203" pitchFamily="34" charset="0"/>
               </a:rPr>
-              <a:t>BTW bedrag 21%		 € 3,333.92 </a:t>
+              <a:t>BTW bedrag 21%		 € 3,244.04 </a:t>
             </a:r>
           </a:p>
           <a:p>
@@ -12117,7 +12117,7 @@
                 <a:latin typeface="Segoe UI" panose="020B0502040204020203" pitchFamily="34" charset="0"/>
                 <a:cs typeface="Segoe UI" panose="020B0502040204020203" pitchFamily="34" charset="0"/>
               </a:rPr>
-              <a:t>Eindtotaal			 € 19,209.72 </a:t>
+              <a:t>Eindtotaal		 	 € 18,691.84 </a:t>
             </a:r>
           </a:p>
           <a:p>

--- a/opdracht03/G40/Voorstelling G40.pptx
+++ b/opdracht03/G40/Voorstelling G40.pptx
@@ -5136,17 +5136,13 @@
             </a:endParaRPr>
           </a:p>
           <a:p>
-            <a:pPr>
-              <a:buFont typeface="Arial" panose="020B0604020202020204" pitchFamily="34" charset="0"/>
-              <a:buChar char="•"/>
-            </a:pPr>
-            <a:r>
-              <a:rPr lang="en-GB" dirty="0">
-                <a:latin typeface="Segoe UI" panose="020B0502040204020203" pitchFamily="34" charset="0"/>
-                <a:cs typeface="Segoe UI" panose="020B0502040204020203" pitchFamily="34" charset="0"/>
-              </a:rPr>
-              <a:t> € 35.00</a:t>
-            </a:r>
+            <a:pPr marL="0" indent="0">
+              <a:buNone/>
+            </a:pPr>
+            <a:endParaRPr lang="en-GB" dirty="0">
+              <a:latin typeface="Segoe UI" panose="020B0502040204020203" pitchFamily="34" charset="0"/>
+              <a:cs typeface="Segoe UI" panose="020B0502040204020203" pitchFamily="34" charset="0"/>
+            </a:endParaRPr>
           </a:p>
         </p:txBody>
       </p:sp>
@@ -5401,19 +5397,6 @@
               <a:cs typeface="Segoe UI" panose="020B0502040204020203" pitchFamily="34" charset="0"/>
             </a:endParaRPr>
           </a:p>
-          <a:p>
-            <a:pPr>
-              <a:buFont typeface="Arial" panose="020B0604020202020204" pitchFamily="34" charset="0"/>
-              <a:buChar char="•"/>
-            </a:pPr>
-            <a:r>
-              <a:rPr lang="en-GB" dirty="0">
-                <a:latin typeface="Segoe UI" panose="020B0502040204020203" pitchFamily="34" charset="0"/>
-                <a:cs typeface="Segoe UI" panose="020B0502040204020203" pitchFamily="34" charset="0"/>
-              </a:rPr>
-              <a:t> € 107.80</a:t>
-            </a:r>
-          </a:p>
         </p:txBody>
       </p:sp>
       <p:pic>
@@ -5666,19 +5649,6 @@
               <a:cs typeface="Segoe UI" panose="020B0502040204020203" pitchFamily="34" charset="0"/>
             </a:endParaRPr>
           </a:p>
-          <a:p>
-            <a:pPr>
-              <a:buFont typeface="Arial" panose="020B0604020202020204" pitchFamily="34" charset="0"/>
-              <a:buChar char="•"/>
-            </a:pPr>
-            <a:r>
-              <a:rPr lang="en-GB" dirty="0">
-                <a:latin typeface="Segoe UI" panose="020B0502040204020203" pitchFamily="34" charset="0"/>
-                <a:cs typeface="Segoe UI" panose="020B0502040204020203" pitchFamily="34" charset="0"/>
-              </a:rPr>
-              <a:t> € 17.80</a:t>
-            </a:r>
-          </a:p>
         </p:txBody>
       </p:sp>
       <p:pic>
@@ -13593,19 +13563,6 @@
               <a:cs typeface="Segoe UI" panose="020B0502040204020203" pitchFamily="34" charset="0"/>
             </a:endParaRPr>
           </a:p>
-          <a:p>
-            <a:pPr>
-              <a:buFont typeface="Arial" panose="020B0604020202020204" pitchFamily="34" charset="0"/>
-              <a:buChar char="•"/>
-            </a:pPr>
-            <a:r>
-              <a:rPr lang="en-GB" dirty="0">
-                <a:latin typeface="Segoe UI" panose="020B0502040204020203" pitchFamily="34" charset="0"/>
-                <a:cs typeface="Segoe UI" panose="020B0502040204020203" pitchFamily="34" charset="0"/>
-              </a:rPr>
-              <a:t> € 118.20</a:t>
-            </a:r>
-          </a:p>
         </p:txBody>
       </p:sp>
       <p:pic>
@@ -13881,19 +13838,6 @@
               <a:latin typeface="Segoe UI" panose="020B0502040204020203" pitchFamily="34" charset="0"/>
               <a:cs typeface="Segoe UI" panose="020B0502040204020203" pitchFamily="34" charset="0"/>
             </a:endParaRPr>
-          </a:p>
-          <a:p>
-            <a:pPr>
-              <a:buFont typeface="Arial" panose="020B0604020202020204" pitchFamily="34" charset="0"/>
-              <a:buChar char="•"/>
-            </a:pPr>
-            <a:r>
-              <a:rPr lang="en-GB" dirty="0">
-                <a:latin typeface="Segoe UI" panose="020B0502040204020203" pitchFamily="34" charset="0"/>
-                <a:cs typeface="Segoe UI" panose="020B0502040204020203" pitchFamily="34" charset="0"/>
-              </a:rPr>
-              <a:t> € 145.00</a:t>
-            </a:r>
           </a:p>
           <a:p>
             <a:pPr>
@@ -14232,19 +14176,6 @@
               <a:latin typeface="Segoe UI" panose="020B0502040204020203" pitchFamily="34" charset="0"/>
               <a:cs typeface="Segoe UI" panose="020B0502040204020203" pitchFamily="34" charset="0"/>
             </a:endParaRPr>
-          </a:p>
-          <a:p>
-            <a:pPr>
-              <a:buFont typeface="Arial" panose="020B0604020202020204" pitchFamily="34" charset="0"/>
-              <a:buChar char="•"/>
-            </a:pPr>
-            <a:r>
-              <a:rPr lang="en-GB" dirty="0">
-                <a:latin typeface="Segoe UI" panose="020B0502040204020203" pitchFamily="34" charset="0"/>
-                <a:cs typeface="Segoe UI" panose="020B0502040204020203" pitchFamily="34" charset="0"/>
-              </a:rPr>
-              <a:t> € 42.00</a:t>
-            </a:r>
           </a:p>
         </p:txBody>
       </p:sp>
